--- a/Parcelas de contratos.pptx
+++ b/Parcelas de contratos.pptx
@@ -1110,7 +1110,7 @@
         <a:p>
           <a:r>
             <a:rPr lang="pt-BR" dirty="0"/>
-            <a:t>Gestores CNC</a:t>
+            <a:t>Analista Fiscal</a:t>
           </a:r>
         </a:p>
       </dgm:t>
@@ -1132,7 +1132,7 @@
         <a:p>
           <a:r>
             <a:rPr lang="pt-BR" dirty="0"/>
-            <a:t>Aprovar solicitação</a:t>
+            <a:t>Verificar solicitação</a:t>
           </a:r>
         </a:p>
       </dgm:t>
@@ -1688,7 +1688,7 @@
           </a:pPr>
           <a:r>
             <a:rPr lang="pt-BR" sz="3000" kern="1200" dirty="0"/>
-            <a:t>Gestores CNC</a:t>
+            <a:t>Analista Fiscal</a:t>
           </a:r>
         </a:p>
       </dsp:txBody>
@@ -1767,7 +1767,7 @@
           </a:pPr>
           <a:r>
             <a:rPr lang="pt-BR" sz="3000" kern="1200" dirty="0"/>
-            <a:t>Aprovar solicitação</a:t>
+            <a:t>Verificar solicitação</a:t>
           </a:r>
         </a:p>
       </dsp:txBody>
@@ -3114,7 +3114,7 @@
             <a:fld id="{6FD22E44-98EB-41F2-A5A3-DC9366D96C52}" type="datetimeFigureOut">
               <a:rPr lang="pt-BR" smtClean="0"/>
               <a:pPr/>
-              <a:t>06/07/2020</a:t>
+              <a:t>18/02/2021</a:t>
             </a:fld>
             <a:endParaRPr lang="pt-BR"/>
           </a:p>
@@ -3280,7 +3280,7 @@
           <a:p>
             <a:fld id="{515D20E7-273D-4BCD-A33C-33C20D53B536}" type="datetimeFigureOut">
               <a:rPr lang="pt-BR" smtClean="0"/>
-              <a:t>06/07/2020</a:t>
+              <a:t>18/02/2021</a:t>
             </a:fld>
             <a:endParaRPr lang="pt-BR"/>
           </a:p>
@@ -3760,1299 +3760,6 @@
           <a:lstStyle/>
           <a:p>
             <a:pPr algn="l"/>
-            <a:r>
-              <a:rPr lang="pt-BR" sz="1800" dirty="0">
-                <a:solidFill>
-                  <a:srgbClr val="3F7F5F"/>
-                </a:solidFill>
-                <a:latin typeface="Consolas" panose="020B0609020204030204" pitchFamily="49" charset="0"/>
-              </a:rPr>
-              <a:t>// </a:t>
-            </a:r>
-            <a:r>
-              <a:rPr lang="pt-BR" sz="1800" u="sng" dirty="0" err="1">
-                <a:solidFill>
-                  <a:srgbClr val="3F7F5F"/>
-                </a:solidFill>
-                <a:latin typeface="Consolas" panose="020B0609020204030204" pitchFamily="49" charset="0"/>
-              </a:rPr>
-              <a:t>Atribuido</a:t>
-            </a:r>
-            <a:r>
-              <a:rPr lang="pt-BR" sz="1800" u="sng" dirty="0">
-                <a:solidFill>
-                  <a:srgbClr val="3F7F5F"/>
-                </a:solidFill>
-                <a:latin typeface="Consolas" panose="020B0609020204030204" pitchFamily="49" charset="0"/>
-              </a:rPr>
-              <a:t> valor na variável autorizador, para preenchimento do formulário</a:t>
-            </a:r>
-          </a:p>
-          <a:p>
-            <a:pPr algn="l"/>
-            <a:r>
-              <a:rPr lang="en-US" sz="1800" dirty="0">
-                <a:solidFill>
-                  <a:srgbClr val="000000"/>
-                </a:solidFill>
-                <a:latin typeface="Consolas" panose="020B0609020204030204" pitchFamily="49" charset="0"/>
-              </a:rPr>
-              <a:t>    </a:t>
-            </a:r>
-            <a:r>
-              <a:rPr lang="en-US" sz="1800" b="1" dirty="0">
-                <a:solidFill>
-                  <a:srgbClr val="7F0055"/>
-                </a:solidFill>
-                <a:latin typeface="Consolas" panose="020B0609020204030204" pitchFamily="49" charset="0"/>
-              </a:rPr>
-              <a:t>if</a:t>
-            </a:r>
-            <a:r>
-              <a:rPr lang="en-US" sz="1800" b="1" dirty="0">
-                <a:solidFill>
-                  <a:srgbClr val="000000"/>
-                </a:solidFill>
-                <a:latin typeface="Consolas" panose="020B0609020204030204" pitchFamily="49" charset="0"/>
-              </a:rPr>
-              <a:t> (</a:t>
-            </a:r>
-            <a:r>
-              <a:rPr lang="en-US" sz="1800" b="1" dirty="0" err="1">
-                <a:solidFill>
-                  <a:srgbClr val="000000"/>
-                </a:solidFill>
-                <a:latin typeface="Consolas" panose="020B0609020204030204" pitchFamily="49" charset="0"/>
-              </a:rPr>
-              <a:t>ccusto.substring</a:t>
-            </a:r>
-            <a:r>
-              <a:rPr lang="en-US" sz="1800" b="1" dirty="0">
-                <a:solidFill>
-                  <a:srgbClr val="000000"/>
-                </a:solidFill>
-                <a:latin typeface="Consolas" panose="020B0609020204030204" pitchFamily="49" charset="0"/>
-              </a:rPr>
-              <a:t>(0,11) == (</a:t>
-            </a:r>
-            <a:r>
-              <a:rPr lang="en-US" sz="1800" b="1" dirty="0">
-                <a:solidFill>
-                  <a:srgbClr val="2A00FF"/>
-                </a:solidFill>
-                <a:latin typeface="Consolas" panose="020B0609020204030204" pitchFamily="49" charset="0"/>
-              </a:rPr>
-              <a:t>'12.01.02.01'</a:t>
-            </a:r>
-            <a:r>
-              <a:rPr lang="en-US" sz="1800" b="1" dirty="0">
-                <a:solidFill>
-                  <a:srgbClr val="000000"/>
-                </a:solidFill>
-                <a:latin typeface="Consolas" panose="020B0609020204030204" pitchFamily="49" charset="0"/>
-              </a:rPr>
-              <a:t>))</a:t>
-            </a:r>
-          </a:p>
-          <a:p>
-            <a:pPr algn="l"/>
-            <a:r>
-              <a:rPr lang="pt-BR" sz="1800" dirty="0">
-                <a:solidFill>
-                  <a:srgbClr val="000000"/>
-                </a:solidFill>
-                <a:latin typeface="Consolas" panose="020B0609020204030204" pitchFamily="49" charset="0"/>
-              </a:rPr>
-              <a:t>    </a:t>
-            </a:r>
-            <a:r>
-              <a:rPr lang="pt-BR" sz="1800" b="1" dirty="0">
-                <a:solidFill>
-                  <a:srgbClr val="7F0055"/>
-                </a:solidFill>
-                <a:latin typeface="Consolas" panose="020B0609020204030204" pitchFamily="49" charset="0"/>
-              </a:rPr>
-              <a:t>var</a:t>
-            </a:r>
-            <a:r>
-              <a:rPr lang="pt-BR" sz="1800" b="1" dirty="0">
-                <a:solidFill>
-                  <a:srgbClr val="000000"/>
-                </a:solidFill>
-                <a:latin typeface="Consolas" panose="020B0609020204030204" pitchFamily="49" charset="0"/>
-              </a:rPr>
-              <a:t> autorizador = </a:t>
-            </a:r>
-            <a:r>
-              <a:rPr lang="pt-BR" sz="1800" b="1" dirty="0">
-                <a:solidFill>
-                  <a:srgbClr val="2A00FF"/>
-                </a:solidFill>
-                <a:latin typeface="Consolas" panose="020B0609020204030204" pitchFamily="49" charset="0"/>
-              </a:rPr>
-              <a:t>'</a:t>
-            </a:r>
-            <a:r>
-              <a:rPr lang="pt-BR" sz="1800" b="1" dirty="0" err="1">
-                <a:solidFill>
-                  <a:srgbClr val="2A00FF"/>
-                </a:solidFill>
-                <a:latin typeface="Consolas" panose="020B0609020204030204" pitchFamily="49" charset="0"/>
-              </a:rPr>
-              <a:t>Pool:Group:w_SG</a:t>
-            </a:r>
-            <a:r>
-              <a:rPr lang="pt-BR" sz="1800" b="1" dirty="0">
-                <a:solidFill>
-                  <a:srgbClr val="2A00FF"/>
-                </a:solidFill>
-                <a:latin typeface="Consolas" panose="020B0609020204030204" pitchFamily="49" charset="0"/>
-              </a:rPr>
-              <a:t>'</a:t>
-            </a:r>
-            <a:r>
-              <a:rPr lang="pt-BR" sz="1800" b="1" dirty="0">
-                <a:solidFill>
-                  <a:srgbClr val="000000"/>
-                </a:solidFill>
-                <a:latin typeface="Consolas" panose="020B0609020204030204" pitchFamily="49" charset="0"/>
-              </a:rPr>
-              <a:t>; </a:t>
-            </a:r>
-            <a:r>
-              <a:rPr lang="pt-BR" sz="1800" b="1" dirty="0">
-                <a:solidFill>
-                  <a:srgbClr val="3F7F5F"/>
-                </a:solidFill>
-                <a:latin typeface="Consolas" panose="020B0609020204030204" pitchFamily="49" charset="0"/>
-              </a:rPr>
-              <a:t>// COMO SG - SIMONEGUIMARAES</a:t>
-            </a:r>
-          </a:p>
-          <a:p>
-            <a:pPr algn="l"/>
-            <a:r>
-              <a:rPr lang="pt-BR" sz="1800" dirty="0">
-                <a:solidFill>
-                  <a:srgbClr val="000000"/>
-                </a:solidFill>
-                <a:latin typeface="Consolas" panose="020B0609020204030204" pitchFamily="49" charset="0"/>
-              </a:rPr>
-              <a:t>    </a:t>
-            </a:r>
-          </a:p>
-          <a:p>
-            <a:pPr algn="l"/>
-            <a:r>
-              <a:rPr lang="pt-BR" sz="1800" dirty="0">
-                <a:solidFill>
-                  <a:srgbClr val="000000"/>
-                </a:solidFill>
-                <a:latin typeface="Consolas" panose="020B0609020204030204" pitchFamily="49" charset="0"/>
-              </a:rPr>
-              <a:t>    </a:t>
-            </a:r>
-            <a:r>
-              <a:rPr lang="pt-BR" sz="1800" b="1" dirty="0" err="1">
-                <a:solidFill>
-                  <a:srgbClr val="7F0055"/>
-                </a:solidFill>
-                <a:latin typeface="Consolas" panose="020B0609020204030204" pitchFamily="49" charset="0"/>
-              </a:rPr>
-              <a:t>else</a:t>
-            </a:r>
-            <a:r>
-              <a:rPr lang="pt-BR" sz="1800" b="1" dirty="0">
-                <a:solidFill>
-                  <a:srgbClr val="000000"/>
-                </a:solidFill>
-                <a:latin typeface="Consolas" panose="020B0609020204030204" pitchFamily="49" charset="0"/>
-              </a:rPr>
-              <a:t> </a:t>
-            </a:r>
-            <a:r>
-              <a:rPr lang="pt-BR" sz="1800" b="1" dirty="0" err="1">
-                <a:solidFill>
-                  <a:srgbClr val="7F0055"/>
-                </a:solidFill>
-                <a:latin typeface="Consolas" panose="020B0609020204030204" pitchFamily="49" charset="0"/>
-              </a:rPr>
-              <a:t>if</a:t>
-            </a:r>
-            <a:r>
-              <a:rPr lang="pt-BR" sz="1800" b="1" dirty="0">
-                <a:solidFill>
-                  <a:srgbClr val="000000"/>
-                </a:solidFill>
-                <a:latin typeface="Consolas" panose="020B0609020204030204" pitchFamily="49" charset="0"/>
-              </a:rPr>
-              <a:t> (</a:t>
-            </a:r>
-            <a:r>
-              <a:rPr lang="pt-BR" sz="1800" b="1" dirty="0" err="1">
-                <a:solidFill>
-                  <a:srgbClr val="000000"/>
-                </a:solidFill>
-                <a:latin typeface="Consolas" panose="020B0609020204030204" pitchFamily="49" charset="0"/>
-              </a:rPr>
-              <a:t>ccusto</a:t>
-            </a:r>
-            <a:r>
-              <a:rPr lang="pt-BR" sz="1800" b="1" dirty="0">
-                <a:solidFill>
-                  <a:srgbClr val="000000"/>
-                </a:solidFill>
-                <a:latin typeface="Consolas" panose="020B0609020204030204" pitchFamily="49" charset="0"/>
-              </a:rPr>
-              <a:t> == (</a:t>
-            </a:r>
-            <a:r>
-              <a:rPr lang="pt-BR" sz="1800" b="1" dirty="0">
-                <a:solidFill>
-                  <a:srgbClr val="2A00FF"/>
-                </a:solidFill>
-                <a:latin typeface="Consolas" panose="020B0609020204030204" pitchFamily="49" charset="0"/>
-              </a:rPr>
-              <a:t>'20.01.02.08.70080'</a:t>
-            </a:r>
-            <a:r>
-              <a:rPr lang="pt-BR" sz="1800" b="1" dirty="0">
-                <a:solidFill>
-                  <a:srgbClr val="000000"/>
-                </a:solidFill>
-                <a:latin typeface="Consolas" panose="020B0609020204030204" pitchFamily="49" charset="0"/>
-              </a:rPr>
-              <a:t>))</a:t>
-            </a:r>
-          </a:p>
-          <a:p>
-            <a:pPr algn="l"/>
-            <a:r>
-              <a:rPr lang="pt-BR" sz="1800" dirty="0">
-                <a:solidFill>
-                  <a:srgbClr val="000000"/>
-                </a:solidFill>
-                <a:latin typeface="Consolas" panose="020B0609020204030204" pitchFamily="49" charset="0"/>
-              </a:rPr>
-              <a:t>    </a:t>
-            </a:r>
-            <a:r>
-              <a:rPr lang="pt-BR" sz="1800" b="1" dirty="0">
-                <a:solidFill>
-                  <a:srgbClr val="7F0055"/>
-                </a:solidFill>
-                <a:latin typeface="Consolas" panose="020B0609020204030204" pitchFamily="49" charset="0"/>
-              </a:rPr>
-              <a:t>var</a:t>
-            </a:r>
-            <a:r>
-              <a:rPr lang="pt-BR" sz="1800" b="1" dirty="0">
-                <a:solidFill>
-                  <a:srgbClr val="000000"/>
-                </a:solidFill>
-                <a:latin typeface="Consolas" panose="020B0609020204030204" pitchFamily="49" charset="0"/>
-              </a:rPr>
-              <a:t> autorizador = </a:t>
-            </a:r>
-            <a:r>
-              <a:rPr lang="pt-BR" sz="1800" b="1" dirty="0">
-                <a:solidFill>
-                  <a:srgbClr val="2A00FF"/>
-                </a:solidFill>
-                <a:latin typeface="Consolas" panose="020B0609020204030204" pitchFamily="49" charset="0"/>
-              </a:rPr>
-              <a:t>'</a:t>
-            </a:r>
-            <a:r>
-              <a:rPr lang="pt-BR" sz="1800" b="1" dirty="0" err="1">
-                <a:solidFill>
-                  <a:srgbClr val="2A00FF"/>
-                </a:solidFill>
-                <a:latin typeface="Consolas" panose="020B0609020204030204" pitchFamily="49" charset="0"/>
-              </a:rPr>
-              <a:t>Pool:Group:w_VPF</a:t>
-            </a:r>
-            <a:r>
-              <a:rPr lang="pt-BR" sz="1800" b="1" dirty="0">
-                <a:solidFill>
-                  <a:srgbClr val="2A00FF"/>
-                </a:solidFill>
-                <a:latin typeface="Consolas" panose="020B0609020204030204" pitchFamily="49" charset="0"/>
-              </a:rPr>
-              <a:t>'</a:t>
-            </a:r>
-            <a:r>
-              <a:rPr lang="pt-BR" sz="1800" b="1" dirty="0">
-                <a:solidFill>
-                  <a:srgbClr val="000000"/>
-                </a:solidFill>
-                <a:latin typeface="Consolas" panose="020B0609020204030204" pitchFamily="49" charset="0"/>
-              </a:rPr>
-              <a:t>; </a:t>
-            </a:r>
-            <a:r>
-              <a:rPr lang="pt-BR" sz="1800" b="1" dirty="0">
-                <a:solidFill>
-                  <a:srgbClr val="3F7F5F"/>
-                </a:solidFill>
-                <a:latin typeface="Consolas" panose="020B0609020204030204" pitchFamily="49" charset="0"/>
-              </a:rPr>
-              <a:t>// COMO VPF - LEANDROPINTO</a:t>
-            </a:r>
-          </a:p>
-          <a:p>
-            <a:pPr algn="l"/>
-            <a:r>
-              <a:rPr lang="pt-BR" sz="1800" dirty="0">
-                <a:solidFill>
-                  <a:srgbClr val="000000"/>
-                </a:solidFill>
-                <a:latin typeface="Consolas" panose="020B0609020204030204" pitchFamily="49" charset="0"/>
-              </a:rPr>
-              <a:t>    </a:t>
-            </a:r>
-          </a:p>
-          <a:p>
-            <a:pPr algn="l"/>
-            <a:r>
-              <a:rPr lang="en-US" sz="1800" dirty="0">
-                <a:solidFill>
-                  <a:srgbClr val="000000"/>
-                </a:solidFill>
-                <a:latin typeface="Consolas" panose="020B0609020204030204" pitchFamily="49" charset="0"/>
-              </a:rPr>
-              <a:t>    </a:t>
-            </a:r>
-            <a:r>
-              <a:rPr lang="en-US" sz="1800" b="1" dirty="0">
-                <a:solidFill>
-                  <a:srgbClr val="7F0055"/>
-                </a:solidFill>
-                <a:latin typeface="Consolas" panose="020B0609020204030204" pitchFamily="49" charset="0"/>
-              </a:rPr>
-              <a:t>else</a:t>
-            </a:r>
-            <a:r>
-              <a:rPr lang="en-US" sz="1800" b="1" dirty="0">
-                <a:solidFill>
-                  <a:srgbClr val="000000"/>
-                </a:solidFill>
-                <a:latin typeface="Consolas" panose="020B0609020204030204" pitchFamily="49" charset="0"/>
-              </a:rPr>
-              <a:t> </a:t>
-            </a:r>
-            <a:r>
-              <a:rPr lang="en-US" sz="1800" b="1" dirty="0">
-                <a:solidFill>
-                  <a:srgbClr val="7F0055"/>
-                </a:solidFill>
-                <a:latin typeface="Consolas" panose="020B0609020204030204" pitchFamily="49" charset="0"/>
-              </a:rPr>
-              <a:t>if</a:t>
-            </a:r>
-            <a:r>
-              <a:rPr lang="en-US" sz="1800" b="1" dirty="0">
-                <a:solidFill>
-                  <a:srgbClr val="000000"/>
-                </a:solidFill>
-                <a:latin typeface="Consolas" panose="020B0609020204030204" pitchFamily="49" charset="0"/>
-              </a:rPr>
-              <a:t> (</a:t>
-            </a:r>
-            <a:r>
-              <a:rPr lang="en-US" sz="1800" b="1" dirty="0" err="1">
-                <a:solidFill>
-                  <a:srgbClr val="000000"/>
-                </a:solidFill>
-                <a:latin typeface="Consolas" panose="020B0609020204030204" pitchFamily="49" charset="0"/>
-              </a:rPr>
-              <a:t>ccusto.substring</a:t>
-            </a:r>
-            <a:r>
-              <a:rPr lang="en-US" sz="1800" b="1" dirty="0">
-                <a:solidFill>
-                  <a:srgbClr val="000000"/>
-                </a:solidFill>
-                <a:latin typeface="Consolas" panose="020B0609020204030204" pitchFamily="49" charset="0"/>
-              </a:rPr>
-              <a:t>(0,8) == (</a:t>
-            </a:r>
-            <a:r>
-              <a:rPr lang="en-US" sz="1800" b="1" dirty="0">
-                <a:solidFill>
-                  <a:srgbClr val="2A00FF"/>
-                </a:solidFill>
-                <a:latin typeface="Consolas" panose="020B0609020204030204" pitchFamily="49" charset="0"/>
-              </a:rPr>
-              <a:t>'20.01.01'</a:t>
-            </a:r>
-            <a:r>
-              <a:rPr lang="en-US" sz="1800" b="1" dirty="0">
-                <a:solidFill>
-                  <a:srgbClr val="000000"/>
-                </a:solidFill>
-                <a:latin typeface="Consolas" panose="020B0609020204030204" pitchFamily="49" charset="0"/>
-              </a:rPr>
-              <a:t>))</a:t>
-            </a:r>
-          </a:p>
-          <a:p>
-            <a:pPr algn="l"/>
-            <a:r>
-              <a:rPr lang="pt-BR" sz="1800" dirty="0">
-                <a:solidFill>
-                  <a:srgbClr val="000000"/>
-                </a:solidFill>
-                <a:latin typeface="Consolas" panose="020B0609020204030204" pitchFamily="49" charset="0"/>
-              </a:rPr>
-              <a:t>    </a:t>
-            </a:r>
-            <a:r>
-              <a:rPr lang="pt-BR" sz="1800" b="1" dirty="0">
-                <a:solidFill>
-                  <a:srgbClr val="7F0055"/>
-                </a:solidFill>
-                <a:latin typeface="Consolas" panose="020B0609020204030204" pitchFamily="49" charset="0"/>
-              </a:rPr>
-              <a:t>var</a:t>
-            </a:r>
-            <a:r>
-              <a:rPr lang="pt-BR" sz="1800" b="1" dirty="0">
-                <a:solidFill>
-                  <a:srgbClr val="000000"/>
-                </a:solidFill>
-                <a:latin typeface="Consolas" panose="020B0609020204030204" pitchFamily="49" charset="0"/>
-              </a:rPr>
-              <a:t> autorizador = </a:t>
-            </a:r>
-            <a:r>
-              <a:rPr lang="pt-BR" sz="1800" b="1" dirty="0">
-                <a:solidFill>
-                  <a:srgbClr val="2A00FF"/>
-                </a:solidFill>
-                <a:latin typeface="Consolas" panose="020B0609020204030204" pitchFamily="49" charset="0"/>
-              </a:rPr>
-              <a:t>'</a:t>
-            </a:r>
-            <a:r>
-              <a:rPr lang="pt-BR" sz="1800" b="1" dirty="0" err="1">
-                <a:solidFill>
-                  <a:srgbClr val="2A00FF"/>
-                </a:solidFill>
-                <a:latin typeface="Consolas" panose="020B0609020204030204" pitchFamily="49" charset="0"/>
-              </a:rPr>
-              <a:t>Pool:Group:w_VPF</a:t>
-            </a:r>
-            <a:r>
-              <a:rPr lang="pt-BR" sz="1800" b="1" dirty="0">
-                <a:solidFill>
-                  <a:srgbClr val="2A00FF"/>
-                </a:solidFill>
-                <a:latin typeface="Consolas" panose="020B0609020204030204" pitchFamily="49" charset="0"/>
-              </a:rPr>
-              <a:t>'</a:t>
-            </a:r>
-            <a:r>
-              <a:rPr lang="pt-BR" sz="1800" b="1" dirty="0">
-                <a:solidFill>
-                  <a:srgbClr val="000000"/>
-                </a:solidFill>
-                <a:latin typeface="Consolas" panose="020B0609020204030204" pitchFamily="49" charset="0"/>
-              </a:rPr>
-              <a:t>; </a:t>
-            </a:r>
-            <a:r>
-              <a:rPr lang="pt-BR" sz="1800" b="1" dirty="0">
-                <a:solidFill>
-                  <a:srgbClr val="3F7F5F"/>
-                </a:solidFill>
-                <a:latin typeface="Consolas" panose="020B0609020204030204" pitchFamily="49" charset="0"/>
-              </a:rPr>
-              <a:t>// COMO VPF - LEANDROPINTO</a:t>
-            </a:r>
-          </a:p>
-          <a:p>
-            <a:pPr algn="l"/>
-            <a:r>
-              <a:rPr lang="pt-BR" sz="1800" dirty="0">
-                <a:solidFill>
-                  <a:srgbClr val="000000"/>
-                </a:solidFill>
-                <a:latin typeface="Consolas" panose="020B0609020204030204" pitchFamily="49" charset="0"/>
-              </a:rPr>
-              <a:t>    </a:t>
-            </a:r>
-          </a:p>
-          <a:p>
-            <a:pPr algn="l"/>
-            <a:r>
-              <a:rPr lang="pt-BR" sz="1800" dirty="0">
-                <a:solidFill>
-                  <a:srgbClr val="000000"/>
-                </a:solidFill>
-                <a:latin typeface="Consolas" panose="020B0609020204030204" pitchFamily="49" charset="0"/>
-              </a:rPr>
-              <a:t>    </a:t>
-            </a:r>
-            <a:r>
-              <a:rPr lang="pt-BR" sz="1800" b="1" dirty="0" err="1">
-                <a:solidFill>
-                  <a:srgbClr val="7F0055"/>
-                </a:solidFill>
-                <a:latin typeface="Consolas" panose="020B0609020204030204" pitchFamily="49" charset="0"/>
-              </a:rPr>
-              <a:t>else</a:t>
-            </a:r>
-            <a:r>
-              <a:rPr lang="pt-BR" sz="1800" b="1" dirty="0">
-                <a:solidFill>
-                  <a:srgbClr val="000000"/>
-                </a:solidFill>
-                <a:latin typeface="Consolas" panose="020B0609020204030204" pitchFamily="49" charset="0"/>
-              </a:rPr>
-              <a:t> </a:t>
-            </a:r>
-            <a:r>
-              <a:rPr lang="pt-BR" sz="1800" b="1" dirty="0" err="1">
-                <a:solidFill>
-                  <a:srgbClr val="7F0055"/>
-                </a:solidFill>
-                <a:latin typeface="Consolas" panose="020B0609020204030204" pitchFamily="49" charset="0"/>
-              </a:rPr>
-              <a:t>if</a:t>
-            </a:r>
-            <a:r>
-              <a:rPr lang="pt-BR" sz="1800" b="1" dirty="0">
-                <a:solidFill>
-                  <a:srgbClr val="000000"/>
-                </a:solidFill>
-                <a:latin typeface="Consolas" panose="020B0609020204030204" pitchFamily="49" charset="0"/>
-              </a:rPr>
-              <a:t> (</a:t>
-            </a:r>
-            <a:r>
-              <a:rPr lang="pt-BR" sz="1800" b="1" dirty="0" err="1">
-                <a:solidFill>
-                  <a:srgbClr val="000000"/>
-                </a:solidFill>
-                <a:latin typeface="Consolas" panose="020B0609020204030204" pitchFamily="49" charset="0"/>
-              </a:rPr>
-              <a:t>ccusto.substring</a:t>
-            </a:r>
-            <a:r>
-              <a:rPr lang="pt-BR" sz="1800" b="1" dirty="0">
-                <a:solidFill>
-                  <a:srgbClr val="000000"/>
-                </a:solidFill>
-                <a:latin typeface="Consolas" panose="020B0609020204030204" pitchFamily="49" charset="0"/>
-              </a:rPr>
-              <a:t>(0,2) == (</a:t>
-            </a:r>
-            <a:r>
-              <a:rPr lang="pt-BR" sz="1800" b="1" dirty="0">
-                <a:solidFill>
-                  <a:srgbClr val="2A00FF"/>
-                </a:solidFill>
-                <a:latin typeface="Consolas" panose="020B0609020204030204" pitchFamily="49" charset="0"/>
-              </a:rPr>
-              <a:t>'12'</a:t>
-            </a:r>
-            <a:r>
-              <a:rPr lang="pt-BR" sz="1800" b="1" dirty="0">
-                <a:solidFill>
-                  <a:srgbClr val="000000"/>
-                </a:solidFill>
-                <a:latin typeface="Consolas" panose="020B0609020204030204" pitchFamily="49" charset="0"/>
-              </a:rPr>
-              <a:t>) || </a:t>
-            </a:r>
-            <a:r>
-              <a:rPr lang="pt-BR" sz="1800" b="1" dirty="0" err="1">
-                <a:solidFill>
-                  <a:srgbClr val="000000"/>
-                </a:solidFill>
-                <a:latin typeface="Consolas" panose="020B0609020204030204" pitchFamily="49" charset="0"/>
-              </a:rPr>
-              <a:t>ccusto.substring</a:t>
-            </a:r>
-            <a:r>
-              <a:rPr lang="pt-BR" sz="1800" b="1" dirty="0">
-                <a:solidFill>
-                  <a:srgbClr val="000000"/>
-                </a:solidFill>
-                <a:latin typeface="Consolas" panose="020B0609020204030204" pitchFamily="49" charset="0"/>
-              </a:rPr>
-              <a:t>(0,2) == (</a:t>
-            </a:r>
-            <a:r>
-              <a:rPr lang="pt-BR" sz="1800" b="1" dirty="0">
-                <a:solidFill>
-                  <a:srgbClr val="2A00FF"/>
-                </a:solidFill>
-                <a:latin typeface="Consolas" panose="020B0609020204030204" pitchFamily="49" charset="0"/>
-              </a:rPr>
-              <a:t>'13'</a:t>
-            </a:r>
-            <a:r>
-              <a:rPr lang="pt-BR" sz="1800" b="1" dirty="0">
-                <a:solidFill>
-                  <a:srgbClr val="000000"/>
-                </a:solidFill>
-                <a:latin typeface="Consolas" panose="020B0609020204030204" pitchFamily="49" charset="0"/>
-              </a:rPr>
-              <a:t>) || </a:t>
-            </a:r>
-            <a:r>
-              <a:rPr lang="pt-BR" sz="1800" b="1" dirty="0" err="1">
-                <a:solidFill>
-                  <a:srgbClr val="000000"/>
-                </a:solidFill>
-                <a:latin typeface="Consolas" panose="020B0609020204030204" pitchFamily="49" charset="0"/>
-              </a:rPr>
-              <a:t>ccusto.substring</a:t>
-            </a:r>
-            <a:r>
-              <a:rPr lang="pt-BR" sz="1800" b="1" dirty="0">
-                <a:solidFill>
-                  <a:srgbClr val="000000"/>
-                </a:solidFill>
-                <a:latin typeface="Consolas" panose="020B0609020204030204" pitchFamily="49" charset="0"/>
-              </a:rPr>
-              <a:t>(0,2) == (</a:t>
-            </a:r>
-            <a:r>
-              <a:rPr lang="pt-BR" sz="1800" b="1" dirty="0">
-                <a:solidFill>
-                  <a:srgbClr val="2A00FF"/>
-                </a:solidFill>
-                <a:latin typeface="Consolas" panose="020B0609020204030204" pitchFamily="49" charset="0"/>
-              </a:rPr>
-              <a:t>'14'</a:t>
-            </a:r>
-            <a:r>
-              <a:rPr lang="pt-BR" sz="1800" b="1" dirty="0">
-                <a:solidFill>
-                  <a:srgbClr val="000000"/>
-                </a:solidFill>
-                <a:latin typeface="Consolas" panose="020B0609020204030204" pitchFamily="49" charset="0"/>
-              </a:rPr>
-              <a:t>) || </a:t>
-            </a:r>
-          </a:p>
-          <a:p>
-            <a:pPr algn="l"/>
-            <a:r>
-              <a:rPr lang="en-US" sz="1800" dirty="0">
-                <a:solidFill>
-                  <a:srgbClr val="000000"/>
-                </a:solidFill>
-                <a:latin typeface="Consolas" panose="020B0609020204030204" pitchFamily="49" charset="0"/>
-              </a:rPr>
-              <a:t>    </a:t>
-            </a:r>
-            <a:r>
-              <a:rPr lang="en-US" sz="1800" dirty="0" err="1">
-                <a:solidFill>
-                  <a:srgbClr val="000000"/>
-                </a:solidFill>
-                <a:latin typeface="Consolas" panose="020B0609020204030204" pitchFamily="49" charset="0"/>
-              </a:rPr>
-              <a:t>ccusto.substring</a:t>
-            </a:r>
-            <a:r>
-              <a:rPr lang="en-US" sz="1800" dirty="0">
-                <a:solidFill>
-                  <a:srgbClr val="000000"/>
-                </a:solidFill>
-                <a:latin typeface="Consolas" panose="020B0609020204030204" pitchFamily="49" charset="0"/>
-              </a:rPr>
-              <a:t>(0,2) == (</a:t>
-            </a:r>
-            <a:r>
-              <a:rPr lang="en-US" sz="1800" dirty="0">
-                <a:solidFill>
-                  <a:srgbClr val="2A00FF"/>
-                </a:solidFill>
-                <a:latin typeface="Consolas" panose="020B0609020204030204" pitchFamily="49" charset="0"/>
-              </a:rPr>
-              <a:t>'15'</a:t>
-            </a:r>
-            <a:r>
-              <a:rPr lang="en-US" sz="1800" dirty="0">
-                <a:solidFill>
-                  <a:srgbClr val="000000"/>
-                </a:solidFill>
-                <a:latin typeface="Consolas" panose="020B0609020204030204" pitchFamily="49" charset="0"/>
-              </a:rPr>
-              <a:t>) || </a:t>
-            </a:r>
-            <a:r>
-              <a:rPr lang="en-US" sz="1800" dirty="0" err="1">
-                <a:solidFill>
-                  <a:srgbClr val="000000"/>
-                </a:solidFill>
-                <a:latin typeface="Consolas" panose="020B0609020204030204" pitchFamily="49" charset="0"/>
-              </a:rPr>
-              <a:t>ccusto.substring</a:t>
-            </a:r>
-            <a:r>
-              <a:rPr lang="en-US" sz="1800" dirty="0">
-                <a:solidFill>
-                  <a:srgbClr val="000000"/>
-                </a:solidFill>
-                <a:latin typeface="Consolas" panose="020B0609020204030204" pitchFamily="49" charset="0"/>
-              </a:rPr>
-              <a:t>(0,2) == (</a:t>
-            </a:r>
-            <a:r>
-              <a:rPr lang="en-US" sz="1800" dirty="0">
-                <a:solidFill>
-                  <a:srgbClr val="2A00FF"/>
-                </a:solidFill>
-                <a:latin typeface="Consolas" panose="020B0609020204030204" pitchFamily="49" charset="0"/>
-              </a:rPr>
-              <a:t>'16'</a:t>
-            </a:r>
-            <a:r>
-              <a:rPr lang="en-US" sz="1800" dirty="0">
-                <a:solidFill>
-                  <a:srgbClr val="000000"/>
-                </a:solidFill>
-                <a:latin typeface="Consolas" panose="020B0609020204030204" pitchFamily="49" charset="0"/>
-              </a:rPr>
-              <a:t>))</a:t>
-            </a:r>
-          </a:p>
-          <a:p>
-            <a:pPr algn="l"/>
-            <a:r>
-              <a:rPr lang="pt-BR" sz="1800" dirty="0">
-                <a:solidFill>
-                  <a:srgbClr val="000000"/>
-                </a:solidFill>
-                <a:latin typeface="Consolas" panose="020B0609020204030204" pitchFamily="49" charset="0"/>
-              </a:rPr>
-              <a:t>    </a:t>
-            </a:r>
-            <a:r>
-              <a:rPr lang="pt-BR" sz="1800" b="1" dirty="0">
-                <a:solidFill>
-                  <a:srgbClr val="7F0055"/>
-                </a:solidFill>
-                <a:latin typeface="Consolas" panose="020B0609020204030204" pitchFamily="49" charset="0"/>
-              </a:rPr>
-              <a:t>var</a:t>
-            </a:r>
-            <a:r>
-              <a:rPr lang="pt-BR" sz="1800" b="1" dirty="0">
-                <a:solidFill>
-                  <a:srgbClr val="000000"/>
-                </a:solidFill>
-                <a:latin typeface="Consolas" panose="020B0609020204030204" pitchFamily="49" charset="0"/>
-              </a:rPr>
-              <a:t> autorizador = </a:t>
-            </a:r>
-            <a:r>
-              <a:rPr lang="pt-BR" sz="1800" b="1" dirty="0">
-                <a:solidFill>
-                  <a:srgbClr val="2A00FF"/>
-                </a:solidFill>
-                <a:latin typeface="Consolas" panose="020B0609020204030204" pitchFamily="49" charset="0"/>
-              </a:rPr>
-              <a:t>'</a:t>
-            </a:r>
-            <a:r>
-              <a:rPr lang="pt-BR" sz="1800" b="1" dirty="0" err="1">
-                <a:solidFill>
-                  <a:srgbClr val="2A00FF"/>
-                </a:solidFill>
-                <a:latin typeface="Consolas" panose="020B0609020204030204" pitchFamily="49" charset="0"/>
-              </a:rPr>
-              <a:t>Pool:Group:w_GP</a:t>
-            </a:r>
-            <a:r>
-              <a:rPr lang="pt-BR" sz="1800" b="1" dirty="0">
-                <a:solidFill>
-                  <a:srgbClr val="2A00FF"/>
-                </a:solidFill>
-                <a:latin typeface="Consolas" panose="020B0609020204030204" pitchFamily="49" charset="0"/>
-              </a:rPr>
-              <a:t>'</a:t>
-            </a:r>
-            <a:r>
-              <a:rPr lang="pt-BR" sz="1800" b="1" dirty="0">
-                <a:solidFill>
-                  <a:srgbClr val="000000"/>
-                </a:solidFill>
-                <a:latin typeface="Consolas" panose="020B0609020204030204" pitchFamily="49" charset="0"/>
-              </a:rPr>
-              <a:t>; </a:t>
-            </a:r>
-            <a:r>
-              <a:rPr lang="pt-BR" sz="1800" b="1" dirty="0">
-                <a:solidFill>
-                  <a:srgbClr val="3F7F5F"/>
-                </a:solidFill>
-                <a:latin typeface="Consolas" panose="020B0609020204030204" pitchFamily="49" charset="0"/>
-              </a:rPr>
-              <a:t>// COMO GP - </a:t>
-            </a:r>
-            <a:r>
-              <a:rPr lang="pt-BR" sz="1800" b="1" dirty="0" err="1">
-                <a:solidFill>
-                  <a:srgbClr val="3F7F5F"/>
-                </a:solidFill>
-                <a:latin typeface="Consolas" panose="020B0609020204030204" pitchFamily="49" charset="0"/>
-              </a:rPr>
-              <a:t>LenouraSchmidt</a:t>
-            </a:r>
-            <a:endParaRPr lang="pt-BR" sz="1800" b="1" dirty="0">
-              <a:solidFill>
-                <a:srgbClr val="3F7F5F"/>
-              </a:solidFill>
-              <a:latin typeface="Consolas" panose="020B0609020204030204" pitchFamily="49" charset="0"/>
-            </a:endParaRPr>
-          </a:p>
-          <a:p>
-            <a:pPr algn="l"/>
-            <a:r>
-              <a:rPr lang="pt-BR" sz="1800" dirty="0">
-                <a:solidFill>
-                  <a:srgbClr val="000000"/>
-                </a:solidFill>
-                <a:latin typeface="Consolas" panose="020B0609020204030204" pitchFamily="49" charset="0"/>
-              </a:rPr>
-              <a:t>    </a:t>
-            </a:r>
-          </a:p>
-          <a:p>
-            <a:pPr algn="l"/>
-            <a:r>
-              <a:rPr lang="pt-BR" sz="1800" dirty="0">
-                <a:solidFill>
-                  <a:srgbClr val="000000"/>
-                </a:solidFill>
-                <a:latin typeface="Consolas" panose="020B0609020204030204" pitchFamily="49" charset="0"/>
-              </a:rPr>
-              <a:t>    </a:t>
-            </a:r>
-            <a:r>
-              <a:rPr lang="pt-BR" sz="1800" b="1" dirty="0" err="1">
-                <a:solidFill>
-                  <a:srgbClr val="7F0055"/>
-                </a:solidFill>
-                <a:latin typeface="Consolas" panose="020B0609020204030204" pitchFamily="49" charset="0"/>
-              </a:rPr>
-              <a:t>else</a:t>
-            </a:r>
-            <a:r>
-              <a:rPr lang="pt-BR" sz="1800" b="1" dirty="0">
-                <a:solidFill>
-                  <a:srgbClr val="000000"/>
-                </a:solidFill>
-                <a:latin typeface="Consolas" panose="020B0609020204030204" pitchFamily="49" charset="0"/>
-              </a:rPr>
-              <a:t> </a:t>
-            </a:r>
-            <a:r>
-              <a:rPr lang="pt-BR" sz="1800" b="1" dirty="0" err="1">
-                <a:solidFill>
-                  <a:srgbClr val="7F0055"/>
-                </a:solidFill>
-                <a:latin typeface="Consolas" panose="020B0609020204030204" pitchFamily="49" charset="0"/>
-              </a:rPr>
-              <a:t>if</a:t>
-            </a:r>
-            <a:r>
-              <a:rPr lang="pt-BR" sz="1800" b="1" dirty="0">
-                <a:solidFill>
-                  <a:srgbClr val="000000"/>
-                </a:solidFill>
-                <a:latin typeface="Consolas" panose="020B0609020204030204" pitchFamily="49" charset="0"/>
-              </a:rPr>
-              <a:t> (</a:t>
-            </a:r>
-            <a:r>
-              <a:rPr lang="pt-BR" sz="1800" b="1" dirty="0" err="1">
-                <a:solidFill>
-                  <a:srgbClr val="000000"/>
-                </a:solidFill>
-                <a:latin typeface="Consolas" panose="020B0609020204030204" pitchFamily="49" charset="0"/>
-              </a:rPr>
-              <a:t>ccusto.substring</a:t>
-            </a:r>
-            <a:r>
-              <a:rPr lang="pt-BR" sz="1800" b="1" dirty="0">
-                <a:solidFill>
-                  <a:srgbClr val="000000"/>
-                </a:solidFill>
-                <a:latin typeface="Consolas" panose="020B0609020204030204" pitchFamily="49" charset="0"/>
-              </a:rPr>
-              <a:t>(0,2) == (</a:t>
-            </a:r>
-            <a:r>
-              <a:rPr lang="pt-BR" sz="1800" b="1" dirty="0">
-                <a:solidFill>
-                  <a:srgbClr val="2A00FF"/>
-                </a:solidFill>
-                <a:latin typeface="Consolas" panose="020B0609020204030204" pitchFamily="49" charset="0"/>
-              </a:rPr>
-              <a:t>'11'</a:t>
-            </a:r>
-            <a:r>
-              <a:rPr lang="pt-BR" sz="1800" b="1" dirty="0">
-                <a:solidFill>
-                  <a:srgbClr val="000000"/>
-                </a:solidFill>
-                <a:latin typeface="Consolas" panose="020B0609020204030204" pitchFamily="49" charset="0"/>
-              </a:rPr>
-              <a:t>) || </a:t>
-            </a:r>
-            <a:r>
-              <a:rPr lang="pt-BR" sz="1800" b="1" dirty="0" err="1">
-                <a:solidFill>
-                  <a:srgbClr val="000000"/>
-                </a:solidFill>
-                <a:latin typeface="Consolas" panose="020B0609020204030204" pitchFamily="49" charset="0"/>
-              </a:rPr>
-              <a:t>ccusto.substring</a:t>
-            </a:r>
-            <a:r>
-              <a:rPr lang="pt-BR" sz="1800" b="1" dirty="0">
-                <a:solidFill>
-                  <a:srgbClr val="000000"/>
-                </a:solidFill>
-                <a:latin typeface="Consolas" panose="020B0609020204030204" pitchFamily="49" charset="0"/>
-              </a:rPr>
-              <a:t>(0,2) == (</a:t>
-            </a:r>
-            <a:r>
-              <a:rPr lang="pt-BR" sz="1800" b="1" dirty="0">
-                <a:solidFill>
-                  <a:srgbClr val="2A00FF"/>
-                </a:solidFill>
-                <a:latin typeface="Consolas" panose="020B0609020204030204" pitchFamily="49" charset="0"/>
-              </a:rPr>
-              <a:t>'18'</a:t>
-            </a:r>
-            <a:r>
-              <a:rPr lang="pt-BR" sz="1800" b="1" dirty="0">
-                <a:solidFill>
-                  <a:srgbClr val="000000"/>
-                </a:solidFill>
-                <a:latin typeface="Consolas" panose="020B0609020204030204" pitchFamily="49" charset="0"/>
-              </a:rPr>
-              <a:t>) || </a:t>
-            </a:r>
-            <a:r>
-              <a:rPr lang="pt-BR" sz="1800" b="1" dirty="0" err="1">
-                <a:solidFill>
-                  <a:srgbClr val="000000"/>
-                </a:solidFill>
-                <a:latin typeface="Consolas" panose="020B0609020204030204" pitchFamily="49" charset="0"/>
-              </a:rPr>
-              <a:t>ccusto.substring</a:t>
-            </a:r>
-            <a:r>
-              <a:rPr lang="pt-BR" sz="1800" b="1" dirty="0">
-                <a:solidFill>
-                  <a:srgbClr val="000000"/>
-                </a:solidFill>
-                <a:latin typeface="Consolas" panose="020B0609020204030204" pitchFamily="49" charset="0"/>
-              </a:rPr>
-              <a:t>(0,2) == (</a:t>
-            </a:r>
-            <a:r>
-              <a:rPr lang="pt-BR" sz="1800" b="1" dirty="0">
-                <a:solidFill>
-                  <a:srgbClr val="2A00FF"/>
-                </a:solidFill>
-                <a:latin typeface="Consolas" panose="020B0609020204030204" pitchFamily="49" charset="0"/>
-              </a:rPr>
-              <a:t>'50'</a:t>
-            </a:r>
-            <a:r>
-              <a:rPr lang="pt-BR" sz="1800" b="1" dirty="0">
-                <a:solidFill>
-                  <a:srgbClr val="000000"/>
-                </a:solidFill>
-                <a:latin typeface="Consolas" panose="020B0609020204030204" pitchFamily="49" charset="0"/>
-              </a:rPr>
-              <a:t>) || </a:t>
-            </a:r>
-          </a:p>
-          <a:p>
-            <a:pPr algn="l"/>
-            <a:r>
-              <a:rPr lang="en-US" sz="1800" dirty="0">
-                <a:solidFill>
-                  <a:srgbClr val="000000"/>
-                </a:solidFill>
-                <a:latin typeface="Consolas" panose="020B0609020204030204" pitchFamily="49" charset="0"/>
-              </a:rPr>
-              <a:t>    </a:t>
-            </a:r>
-            <a:r>
-              <a:rPr lang="en-US" sz="1800" dirty="0" err="1">
-                <a:solidFill>
-                  <a:srgbClr val="000000"/>
-                </a:solidFill>
-                <a:latin typeface="Consolas" panose="020B0609020204030204" pitchFamily="49" charset="0"/>
-              </a:rPr>
-              <a:t>ccusto.substring</a:t>
-            </a:r>
-            <a:r>
-              <a:rPr lang="en-US" sz="1800" dirty="0">
-                <a:solidFill>
-                  <a:srgbClr val="000000"/>
-                </a:solidFill>
-                <a:latin typeface="Consolas" panose="020B0609020204030204" pitchFamily="49" charset="0"/>
-              </a:rPr>
-              <a:t>(0,2) == (</a:t>
-            </a:r>
-            <a:r>
-              <a:rPr lang="en-US" sz="1800" dirty="0">
-                <a:solidFill>
-                  <a:srgbClr val="2A00FF"/>
-                </a:solidFill>
-                <a:latin typeface="Consolas" panose="020B0609020204030204" pitchFamily="49" charset="0"/>
-              </a:rPr>
-              <a:t>'90'</a:t>
-            </a:r>
-            <a:r>
-              <a:rPr lang="en-US" sz="1800" dirty="0">
-                <a:solidFill>
-                  <a:srgbClr val="000000"/>
-                </a:solidFill>
-                <a:latin typeface="Consolas" panose="020B0609020204030204" pitchFamily="49" charset="0"/>
-              </a:rPr>
-              <a:t>) || </a:t>
-            </a:r>
-            <a:r>
-              <a:rPr lang="en-US" sz="1800" dirty="0" err="1">
-                <a:solidFill>
-                  <a:srgbClr val="000000"/>
-                </a:solidFill>
-                <a:latin typeface="Consolas" panose="020B0609020204030204" pitchFamily="49" charset="0"/>
-              </a:rPr>
-              <a:t>ccusto.substring</a:t>
-            </a:r>
-            <a:r>
-              <a:rPr lang="en-US" sz="1800" dirty="0">
-                <a:solidFill>
-                  <a:srgbClr val="000000"/>
-                </a:solidFill>
-                <a:latin typeface="Consolas" panose="020B0609020204030204" pitchFamily="49" charset="0"/>
-              </a:rPr>
-              <a:t>(0,2) == (</a:t>
-            </a:r>
-            <a:r>
-              <a:rPr lang="en-US" sz="1800" dirty="0">
-                <a:solidFill>
-                  <a:srgbClr val="2A00FF"/>
-                </a:solidFill>
-                <a:latin typeface="Consolas" panose="020B0609020204030204" pitchFamily="49" charset="0"/>
-              </a:rPr>
-              <a:t>'99'</a:t>
-            </a:r>
-            <a:r>
-              <a:rPr lang="en-US" sz="1800" dirty="0">
-                <a:solidFill>
-                  <a:srgbClr val="000000"/>
-                </a:solidFill>
-                <a:latin typeface="Consolas" panose="020B0609020204030204" pitchFamily="49" charset="0"/>
-              </a:rPr>
-              <a:t>))</a:t>
-            </a:r>
-          </a:p>
-          <a:p>
-            <a:pPr algn="l"/>
-            <a:r>
-              <a:rPr lang="pt-BR" sz="1800" dirty="0">
-                <a:solidFill>
-                  <a:srgbClr val="000000"/>
-                </a:solidFill>
-                <a:latin typeface="Consolas" panose="020B0609020204030204" pitchFamily="49" charset="0"/>
-              </a:rPr>
-              <a:t>    </a:t>
-            </a:r>
-            <a:r>
-              <a:rPr lang="pt-BR" sz="1800" b="1" dirty="0">
-                <a:solidFill>
-                  <a:srgbClr val="7F0055"/>
-                </a:solidFill>
-                <a:latin typeface="Consolas" panose="020B0609020204030204" pitchFamily="49" charset="0"/>
-              </a:rPr>
-              <a:t>var</a:t>
-            </a:r>
-            <a:r>
-              <a:rPr lang="pt-BR" sz="1800" b="1" dirty="0">
-                <a:solidFill>
-                  <a:srgbClr val="000000"/>
-                </a:solidFill>
-                <a:latin typeface="Consolas" panose="020B0609020204030204" pitchFamily="49" charset="0"/>
-              </a:rPr>
-              <a:t> autorizador = </a:t>
-            </a:r>
-            <a:r>
-              <a:rPr lang="pt-BR" sz="1800" b="1" dirty="0">
-                <a:solidFill>
-                  <a:srgbClr val="2A00FF"/>
-                </a:solidFill>
-                <a:latin typeface="Consolas" panose="020B0609020204030204" pitchFamily="49" charset="0"/>
-              </a:rPr>
-              <a:t>'</a:t>
-            </a:r>
-            <a:r>
-              <a:rPr lang="pt-BR" sz="1800" b="1" dirty="0" err="1">
-                <a:solidFill>
-                  <a:srgbClr val="2A00FF"/>
-                </a:solidFill>
-                <a:latin typeface="Consolas" panose="020B0609020204030204" pitchFamily="49" charset="0"/>
-              </a:rPr>
-              <a:t>Pool:Group:w_VPF</a:t>
-            </a:r>
-            <a:r>
-              <a:rPr lang="pt-BR" sz="1800" b="1" dirty="0">
-                <a:solidFill>
-                  <a:srgbClr val="2A00FF"/>
-                </a:solidFill>
-                <a:latin typeface="Consolas" panose="020B0609020204030204" pitchFamily="49" charset="0"/>
-              </a:rPr>
-              <a:t>'</a:t>
-            </a:r>
-            <a:r>
-              <a:rPr lang="pt-BR" sz="1800" b="1" dirty="0">
-                <a:solidFill>
-                  <a:srgbClr val="000000"/>
-                </a:solidFill>
-                <a:latin typeface="Consolas" panose="020B0609020204030204" pitchFamily="49" charset="0"/>
-              </a:rPr>
-              <a:t>; </a:t>
-            </a:r>
-            <a:r>
-              <a:rPr lang="pt-BR" sz="1800" b="1" dirty="0">
-                <a:solidFill>
-                  <a:srgbClr val="3F7F5F"/>
-                </a:solidFill>
-                <a:latin typeface="Consolas" panose="020B0609020204030204" pitchFamily="49" charset="0"/>
-              </a:rPr>
-              <a:t>// COMO VPF - LEANDROPINTO</a:t>
-            </a:r>
-          </a:p>
-          <a:p>
-            <a:pPr algn="l"/>
-            <a:r>
-              <a:rPr lang="pt-BR" sz="1800" dirty="0">
-                <a:solidFill>
-                  <a:srgbClr val="000000"/>
-                </a:solidFill>
-                <a:latin typeface="Consolas" panose="020B0609020204030204" pitchFamily="49" charset="0"/>
-              </a:rPr>
-              <a:t>    </a:t>
-            </a:r>
-          </a:p>
-          <a:p>
-            <a:pPr algn="l"/>
-            <a:r>
-              <a:rPr lang="pt-BR" sz="1800" dirty="0">
-                <a:solidFill>
-                  <a:srgbClr val="000000"/>
-                </a:solidFill>
-                <a:latin typeface="Consolas" panose="020B0609020204030204" pitchFamily="49" charset="0"/>
-              </a:rPr>
-              <a:t>    </a:t>
-            </a:r>
-            <a:r>
-              <a:rPr lang="pt-BR" sz="1800" b="1" dirty="0" err="1">
-                <a:solidFill>
-                  <a:srgbClr val="7F0055"/>
-                </a:solidFill>
-                <a:latin typeface="Consolas" panose="020B0609020204030204" pitchFamily="49" charset="0"/>
-              </a:rPr>
-              <a:t>else</a:t>
-            </a:r>
-            <a:endParaRPr lang="pt-BR" sz="1800" b="1" dirty="0">
-              <a:solidFill>
-                <a:srgbClr val="7F0055"/>
-              </a:solidFill>
-              <a:latin typeface="Consolas" panose="020B0609020204030204" pitchFamily="49" charset="0"/>
-            </a:endParaRPr>
-          </a:p>
-          <a:p>
-            <a:pPr algn="l"/>
-            <a:r>
-              <a:rPr lang="pt-BR" sz="1800" dirty="0">
-                <a:solidFill>
-                  <a:srgbClr val="000000"/>
-                </a:solidFill>
-                <a:latin typeface="Consolas" panose="020B0609020204030204" pitchFamily="49" charset="0"/>
-              </a:rPr>
-              <a:t>    </a:t>
-            </a:r>
-            <a:r>
-              <a:rPr lang="pt-BR" sz="1800" b="1" dirty="0">
-                <a:solidFill>
-                  <a:srgbClr val="7F0055"/>
-                </a:solidFill>
-                <a:latin typeface="Consolas" panose="020B0609020204030204" pitchFamily="49" charset="0"/>
-              </a:rPr>
-              <a:t>var</a:t>
-            </a:r>
-            <a:r>
-              <a:rPr lang="pt-BR" sz="1800" b="1" dirty="0">
-                <a:solidFill>
-                  <a:srgbClr val="000000"/>
-                </a:solidFill>
-                <a:latin typeface="Consolas" panose="020B0609020204030204" pitchFamily="49" charset="0"/>
-              </a:rPr>
-              <a:t> autorizador = </a:t>
-            </a:r>
-            <a:r>
-              <a:rPr lang="pt-BR" sz="1800" b="1" dirty="0">
-                <a:solidFill>
-                  <a:srgbClr val="2A00FF"/>
-                </a:solidFill>
-                <a:latin typeface="Consolas" panose="020B0609020204030204" pitchFamily="49" charset="0"/>
-              </a:rPr>
-              <a:t>'</a:t>
-            </a:r>
-            <a:r>
-              <a:rPr lang="pt-BR" sz="1800" b="1" dirty="0" err="1">
-                <a:solidFill>
-                  <a:srgbClr val="2A00FF"/>
-                </a:solidFill>
-                <a:latin typeface="Consolas" panose="020B0609020204030204" pitchFamily="49" charset="0"/>
-              </a:rPr>
-              <a:t>Pool:Group:w_SG</a:t>
-            </a:r>
-            <a:r>
-              <a:rPr lang="pt-BR" sz="1800" b="1" dirty="0">
-                <a:solidFill>
-                  <a:srgbClr val="2A00FF"/>
-                </a:solidFill>
-                <a:latin typeface="Consolas" panose="020B0609020204030204" pitchFamily="49" charset="0"/>
-              </a:rPr>
-              <a:t>'</a:t>
-            </a:r>
-            <a:r>
-              <a:rPr lang="pt-BR" sz="1800" b="1" dirty="0">
-                <a:solidFill>
-                  <a:srgbClr val="000000"/>
-                </a:solidFill>
-                <a:latin typeface="Consolas" panose="020B0609020204030204" pitchFamily="49" charset="0"/>
-              </a:rPr>
-              <a:t>; </a:t>
-            </a:r>
-            <a:r>
-              <a:rPr lang="pt-BR" sz="1800" b="1" dirty="0">
-                <a:solidFill>
-                  <a:srgbClr val="3F7F5F"/>
-                </a:solidFill>
-                <a:latin typeface="Consolas" panose="020B0609020204030204" pitchFamily="49" charset="0"/>
-              </a:rPr>
-              <a:t>// COMO SG - SIMONEGUIMARAES</a:t>
-            </a:r>
             <a:endParaRPr lang="pt-BR" dirty="0"/>
           </a:p>
         </p:txBody>
@@ -6761,7 +5468,7 @@
             <a:fld id="{4E492E1F-AD23-4954-8C0A-1311CECCDDB9}" type="datetimeFigureOut">
               <a:rPr lang="pt-BR" smtClean="0"/>
               <a:pPr/>
-              <a:t>06/07/2020</a:t>
+              <a:t>18/02/2021</a:t>
             </a:fld>
             <a:endParaRPr lang="pt-BR"/>
           </a:p>
@@ -7410,7 +6117,7 @@
           <p:nvPr>
             <p:extLst>
               <p:ext uri="{D42A27DB-BD31-4B8C-83A1-F6EECF244321}">
-                <p14:modId xmlns:p14="http://schemas.microsoft.com/office/powerpoint/2010/main" val="1260746466"/>
+                <p14:modId xmlns:p14="http://schemas.microsoft.com/office/powerpoint/2010/main" val="167672080"/>
               </p:ext>
             </p:extLst>
           </p:nvPr>
@@ -7504,7 +6211,7 @@
         <p:spPr>
           <a:xfrm>
             <a:off x="683568" y="1700808"/>
-            <a:ext cx="7848872" cy="2400657"/>
+            <a:ext cx="7848872" cy="2862322"/>
           </a:xfrm>
           <a:prstGeom prst="rect">
             <a:avLst/>
@@ -7520,7 +6227,7 @@
             <a:pPr algn="just"/>
             <a:r>
               <a:rPr lang="pt-BR" sz="3000" dirty="0"/>
-              <a:t>	O operador da GEF após receber documento relacionado à cobrança de parcela de contrato que foi previamente cadastrado no sistema TOTVS RM. Irá gerar um movimento 1.1.15 com os dados da cobrança recebida, anexando os documentos relacionados. </a:t>
+              <a:t>	O operador da GEF após receber documento relacionado à cobrança de parcela de contrato que foi previamente cadastrado no sistema TOTVS RM. Irá gerar um movimento 1.1.15 com os dados da cobrança recebida, anexando os documentos relacionados ao movimento. </a:t>
             </a:r>
           </a:p>
         </p:txBody>
@@ -7604,7 +6311,7 @@
         <p:spPr>
           <a:xfrm>
             <a:off x="683568" y="1700808"/>
-            <a:ext cx="7848872" cy="1477328"/>
+            <a:ext cx="7848872" cy="1938992"/>
           </a:xfrm>
           <a:prstGeom prst="rect">
             <a:avLst/>
@@ -7620,7 +6327,7 @@
             <a:pPr algn="just"/>
             <a:r>
               <a:rPr lang="pt-BR" sz="3000" dirty="0"/>
-              <a:t>	Nesta etapa o Gestor do centro de custo relacionado irá verificar e quando de acordo, avançar a solicitação para os Gestores da CNC.</a:t>
+              <a:t>	Nesta etapa o Gestor do centro de custo relacionado irá verificar a solicitação e poderá avançar a solicitação para Análise Fiscal ou devolver para GEF rejeitando a cobrança da parcela. </a:t>
             </a:r>
           </a:p>
         </p:txBody>
@@ -7684,7 +6391,7 @@
                 </a:solidFill>
                 <a:latin typeface="Helvetica" pitchFamily="34" charset="0"/>
               </a:rPr>
-              <a:t>Gestores CNC – Aprovar solicitação</a:t>
+              <a:t>Analista Fiscal – Verificar solicitação</a:t>
             </a:r>
           </a:p>
         </p:txBody>
@@ -7704,7 +6411,7 @@
         <p:spPr>
           <a:xfrm>
             <a:off x="683568" y="1700808"/>
-            <a:ext cx="7848872" cy="3785652"/>
+            <a:ext cx="7848872" cy="3323987"/>
           </a:xfrm>
           <a:prstGeom prst="rect">
             <a:avLst/>
@@ -7720,15 +6427,15 @@
             <a:pPr algn="just"/>
             <a:r>
               <a:rPr lang="pt-BR" sz="3000" dirty="0"/>
-              <a:t>	Esta etapa possui direcionamento automático conforme o centro de custo informado, assim como  a regra implementada para Outras Entradas e Autorização de Fornecimento. Assim sendo direcionado </a:t>
+              <a:t>	Esta etapa possui direcionamento automático conforme a filial do movimento o grupo responsável pela análise fiscal irá verificar se os tributos informados estão de acordo com o previsto. Quando de acordo, o movimento será liberado para que avance para pagamento</a:t>
             </a:r>
             <a:r>
               <a:rPr lang="pt-BR" sz="3000"/>
-              <a:t>para Secretaria Geral, </a:t>
+              <a:t>, caso não esteja, </a:t>
             </a:r>
             <a:r>
               <a:rPr lang="pt-BR" sz="3000" dirty="0"/>
-              <a:t>Vice Presidência Financeira e Gabinete da Presidência. Após aprovação o movimento será liberado no sistema RM para avançar até o borderô de pagamento.</a:t>
+              <a:t>o fornecedor será acionado para efetuar as correções necessárias. </a:t>
             </a:r>
           </a:p>
         </p:txBody>
@@ -8516,12 +7223,13 @@
 </file>
 
 <file path=customXml/item1.xml><?xml version="1.0" encoding="utf-8"?>
-<?mso-contentType ?>
-<FormTemplates xmlns="http://schemas.microsoft.com/sharepoint/v3/contenttype/forms">
-  <Display>DocumentLibraryForm</Display>
-  <Edit>DocumentLibraryForm</Edit>
-  <New>DocumentLibraryForm</New>
-</FormTemplates>
+<p:properties xmlns:p="http://schemas.microsoft.com/office/2006/metadata/properties" xmlns:xsi="http://www.w3.org/2001/XMLSchema-instance" xmlns:pc="http://schemas.microsoft.com/office/infopath/2007/PartnerControls">
+  <documentManagement>
+    <Objetivo xmlns="d885478b-f22d-4d19-a775-a8723dc1337f">Apresentação de Power Point com slides personalizados CNC na cor branca.</Objetivo>
+    <Assunto xmlns="45f96d23-d40b-4212-8da3-c017d2a6f7c3">Modelos de documentos - Padrões gráficos</Assunto>
+    <Procedimento xmlns="45f96d23-d40b-4212-8da3-c017d2a6f7c3" xsi:nil="true"/>
+  </documentManagement>
+</p:properties>
 </file>
 
 <file path=customXml/item2.xml><?xml version="1.0" encoding="utf-8"?>
@@ -8682,19 +7390,27 @@
 </file>
 
 <file path=customXml/item3.xml><?xml version="1.0" encoding="utf-8"?>
-<p:properties xmlns:p="http://schemas.microsoft.com/office/2006/metadata/properties" xmlns:xsi="http://www.w3.org/2001/XMLSchema-instance" xmlns:pc="http://schemas.microsoft.com/office/infopath/2007/PartnerControls">
-  <documentManagement>
-    <Objetivo xmlns="d885478b-f22d-4d19-a775-a8723dc1337f">Apresentação de Power Point com slides personalizados CNC na cor branca.</Objetivo>
-    <Assunto xmlns="45f96d23-d40b-4212-8da3-c017d2a6f7c3">Modelos de documentos - Padrões gráficos</Assunto>
-    <Procedimento xmlns="45f96d23-d40b-4212-8da3-c017d2a6f7c3" xsi:nil="true"/>
-  </documentManagement>
-</p:properties>
+<?mso-contentType ?>
+<FormTemplates xmlns="http://schemas.microsoft.com/sharepoint/v3/contenttype/forms">
+  <Display>DocumentLibraryForm</Display>
+  <Edit>DocumentLibraryForm</Edit>
+  <New>DocumentLibraryForm</New>
+</FormTemplates>
 </file>
 
 <file path=customXml/itemProps1.xml><?xml version="1.0" encoding="utf-8"?>
-<ds:datastoreItem xmlns:ds="http://schemas.openxmlformats.org/officeDocument/2006/customXml" ds:itemID="{FBD8799C-CBA0-43B6-B31C-584BCF8821B4}">
+<ds:datastoreItem xmlns:ds="http://schemas.openxmlformats.org/officeDocument/2006/customXml" ds:itemID="{ED2DF0E0-0EA2-48B5-9DA2-3321820A21F2}">
   <ds:schemaRefs>
-    <ds:schemaRef ds:uri="http://schemas.microsoft.com/sharepoint/v3/contenttype/forms"/>
+    <ds:schemaRef ds:uri="http://purl.org/dc/dcmitype/"/>
+    <ds:schemaRef ds:uri="http://purl.org/dc/elements/1.1/"/>
+    <ds:schemaRef ds:uri="http://schemas.microsoft.com/office/2006/metadata/properties"/>
+    <ds:schemaRef ds:uri="d885478b-f22d-4d19-a775-a8723dc1337f"/>
+    <ds:schemaRef ds:uri="http://schemas.microsoft.com/office/infopath/2007/PartnerControls"/>
+    <ds:schemaRef ds:uri="http://schemas.microsoft.com/office/2006/documentManagement/types"/>
+    <ds:schemaRef ds:uri="http://purl.org/dc/terms/"/>
+    <ds:schemaRef ds:uri="http://schemas.openxmlformats.org/package/2006/metadata/core-properties"/>
+    <ds:schemaRef ds:uri="45f96d23-d40b-4212-8da3-c017d2a6f7c3"/>
+    <ds:schemaRef ds:uri="http://www.w3.org/XML/1998/namespace"/>
   </ds:schemaRefs>
 </ds:datastoreItem>
 </file>
@@ -8719,18 +7435,9 @@
 </file>
 
 <file path=customXml/itemProps3.xml><?xml version="1.0" encoding="utf-8"?>
-<ds:datastoreItem xmlns:ds="http://schemas.openxmlformats.org/officeDocument/2006/customXml" ds:itemID="{ED2DF0E0-0EA2-48B5-9DA2-3321820A21F2}">
+<ds:datastoreItem xmlns:ds="http://schemas.openxmlformats.org/officeDocument/2006/customXml" ds:itemID="{FBD8799C-CBA0-43B6-B31C-584BCF8821B4}">
   <ds:schemaRefs>
-    <ds:schemaRef ds:uri="http://purl.org/dc/dcmitype/"/>
-    <ds:schemaRef ds:uri="http://purl.org/dc/elements/1.1/"/>
-    <ds:schemaRef ds:uri="http://schemas.microsoft.com/office/2006/metadata/properties"/>
-    <ds:schemaRef ds:uri="d885478b-f22d-4d19-a775-a8723dc1337f"/>
-    <ds:schemaRef ds:uri="http://schemas.microsoft.com/office/infopath/2007/PartnerControls"/>
-    <ds:schemaRef ds:uri="http://schemas.microsoft.com/office/2006/documentManagement/types"/>
-    <ds:schemaRef ds:uri="http://purl.org/dc/terms/"/>
-    <ds:schemaRef ds:uri="http://schemas.openxmlformats.org/package/2006/metadata/core-properties"/>
-    <ds:schemaRef ds:uri="45f96d23-d40b-4212-8da3-c017d2a6f7c3"/>
-    <ds:schemaRef ds:uri="http://www.w3.org/XML/1998/namespace"/>
+    <ds:schemaRef ds:uri="http://schemas.microsoft.com/sharepoint/v3/contenttype/forms"/>
   </ds:schemaRefs>
 </ds:datastoreItem>
 </file>
--- a/Parcelas de contratos.pptx
+++ b/Parcelas de contratos.pptx
@@ -3114,7 +3114,7 @@
             <a:fld id="{6FD22E44-98EB-41F2-A5A3-DC9366D96C52}" type="datetimeFigureOut">
               <a:rPr lang="pt-BR" smtClean="0"/>
               <a:pPr/>
-              <a:t>18/02/2021</a:t>
+              <a:t>25/02/2021</a:t>
             </a:fld>
             <a:endParaRPr lang="pt-BR"/>
           </a:p>
@@ -3280,7 +3280,7 @@
           <a:p>
             <a:fld id="{515D20E7-273D-4BCD-A33C-33C20D53B536}" type="datetimeFigureOut">
               <a:rPr lang="pt-BR" smtClean="0"/>
-              <a:t>18/02/2021</a:t>
+              <a:t>25/02/2021</a:t>
             </a:fld>
             <a:endParaRPr lang="pt-BR"/>
           </a:p>
@@ -5468,7 +5468,7 @@
             <a:fld id="{4E492E1F-AD23-4954-8C0A-1311CECCDDB9}" type="datetimeFigureOut">
               <a:rPr lang="pt-BR" smtClean="0"/>
               <a:pPr/>
-              <a:t>18/02/2021</a:t>
+              <a:t>25/02/2021</a:t>
             </a:fld>
             <a:endParaRPr lang="pt-BR"/>
           </a:p>
@@ -6327,8 +6327,13 @@
             <a:pPr algn="just"/>
             <a:r>
               <a:rPr lang="pt-BR" sz="3000" dirty="0"/>
-              <a:t>	Nesta etapa o Gestor do centro de custo relacionado irá verificar a solicitação e poderá avançar a solicitação para Análise Fiscal ou devolver para GEF rejeitando a cobrança da parcela. </a:t>
+              <a:t>	Nesta etapa o Gestor do centro de custo relacionado irá verificar a solicitação e poderá aprovar, avançando a solicitação para Análise Fiscal ou devolver para GEF rejeitando a </a:t>
             </a:r>
+            <a:r>
+              <a:rPr lang="pt-BR" sz="3000"/>
+              <a:t>cobrança relacionada. </a:t>
+            </a:r>
+            <a:endParaRPr lang="pt-BR" sz="3000" dirty="0"/>
           </a:p>
         </p:txBody>
       </p:sp>
@@ -6411,7 +6416,7 @@
         <p:spPr>
           <a:xfrm>
             <a:off x="683568" y="1700808"/>
-            <a:ext cx="7848872" cy="3323987"/>
+            <a:ext cx="7848872" cy="3785652"/>
           </a:xfrm>
           <a:prstGeom prst="rect">
             <a:avLst/>
@@ -6427,15 +6432,7 @@
             <a:pPr algn="just"/>
             <a:r>
               <a:rPr lang="pt-BR" sz="3000" dirty="0"/>
-              <a:t>	Esta etapa possui direcionamento automático conforme a filial do movimento o grupo responsável pela análise fiscal irá verificar se os tributos informados estão de acordo com o previsto. Quando de acordo, o movimento será liberado para que avance para pagamento</a:t>
-            </a:r>
-            <a:r>
-              <a:rPr lang="pt-BR" sz="3000"/>
-              <a:t>, caso não esteja, </a:t>
-            </a:r>
-            <a:r>
-              <a:rPr lang="pt-BR" sz="3000" dirty="0"/>
-              <a:t>o fornecedor será acionado para efetuar as correções necessárias. </a:t>
+              <a:t>	Esta etapa possui direcionamento automático conforme a filial do movimento, o grupo responsável pela análise fiscal irá verificar se os tributos informados estão de acordo com o previsto. Quando de acordo, o movimento será liberado para que avance para pagamento, caso não esteja, será devolvido para que o fornecedor seja acionado para efetuar as correções necessárias. </a:t>
             </a:r>
           </a:p>
         </p:txBody>
@@ -7223,13 +7220,12 @@
 </file>
 
 <file path=customXml/item1.xml><?xml version="1.0" encoding="utf-8"?>
-<p:properties xmlns:p="http://schemas.microsoft.com/office/2006/metadata/properties" xmlns:xsi="http://www.w3.org/2001/XMLSchema-instance" xmlns:pc="http://schemas.microsoft.com/office/infopath/2007/PartnerControls">
-  <documentManagement>
-    <Objetivo xmlns="d885478b-f22d-4d19-a775-a8723dc1337f">Apresentação de Power Point com slides personalizados CNC na cor branca.</Objetivo>
-    <Assunto xmlns="45f96d23-d40b-4212-8da3-c017d2a6f7c3">Modelos de documentos - Padrões gráficos</Assunto>
-    <Procedimento xmlns="45f96d23-d40b-4212-8da3-c017d2a6f7c3" xsi:nil="true"/>
-  </documentManagement>
-</p:properties>
+<?mso-contentType ?>
+<FormTemplates xmlns="http://schemas.microsoft.com/sharepoint/v3/contenttype/forms">
+  <Display>DocumentLibraryForm</Display>
+  <Edit>DocumentLibraryForm</Edit>
+  <New>DocumentLibraryForm</New>
+</FormTemplates>
 </file>
 
 <file path=customXml/item2.xml><?xml version="1.0" encoding="utf-8"?>
@@ -7390,27 +7386,19 @@
 </file>
 
 <file path=customXml/item3.xml><?xml version="1.0" encoding="utf-8"?>
-<?mso-contentType ?>
-<FormTemplates xmlns="http://schemas.microsoft.com/sharepoint/v3/contenttype/forms">
-  <Display>DocumentLibraryForm</Display>
-  <Edit>DocumentLibraryForm</Edit>
-  <New>DocumentLibraryForm</New>
-</FormTemplates>
+<p:properties xmlns:p="http://schemas.microsoft.com/office/2006/metadata/properties" xmlns:xsi="http://www.w3.org/2001/XMLSchema-instance" xmlns:pc="http://schemas.microsoft.com/office/infopath/2007/PartnerControls">
+  <documentManagement>
+    <Objetivo xmlns="d885478b-f22d-4d19-a775-a8723dc1337f">Apresentação de Power Point com slides personalizados CNC na cor branca.</Objetivo>
+    <Assunto xmlns="45f96d23-d40b-4212-8da3-c017d2a6f7c3">Modelos de documentos - Padrões gráficos</Assunto>
+    <Procedimento xmlns="45f96d23-d40b-4212-8da3-c017d2a6f7c3" xsi:nil="true"/>
+  </documentManagement>
+</p:properties>
 </file>
 
 <file path=customXml/itemProps1.xml><?xml version="1.0" encoding="utf-8"?>
-<ds:datastoreItem xmlns:ds="http://schemas.openxmlformats.org/officeDocument/2006/customXml" ds:itemID="{ED2DF0E0-0EA2-48B5-9DA2-3321820A21F2}">
+<ds:datastoreItem xmlns:ds="http://schemas.openxmlformats.org/officeDocument/2006/customXml" ds:itemID="{FBD8799C-CBA0-43B6-B31C-584BCF8821B4}">
   <ds:schemaRefs>
-    <ds:schemaRef ds:uri="http://purl.org/dc/dcmitype/"/>
-    <ds:schemaRef ds:uri="http://purl.org/dc/elements/1.1/"/>
-    <ds:schemaRef ds:uri="http://schemas.microsoft.com/office/2006/metadata/properties"/>
-    <ds:schemaRef ds:uri="d885478b-f22d-4d19-a775-a8723dc1337f"/>
-    <ds:schemaRef ds:uri="http://schemas.microsoft.com/office/infopath/2007/PartnerControls"/>
-    <ds:schemaRef ds:uri="http://schemas.microsoft.com/office/2006/documentManagement/types"/>
-    <ds:schemaRef ds:uri="http://purl.org/dc/terms/"/>
-    <ds:schemaRef ds:uri="http://schemas.openxmlformats.org/package/2006/metadata/core-properties"/>
-    <ds:schemaRef ds:uri="45f96d23-d40b-4212-8da3-c017d2a6f7c3"/>
-    <ds:schemaRef ds:uri="http://www.w3.org/XML/1998/namespace"/>
+    <ds:schemaRef ds:uri="http://schemas.microsoft.com/sharepoint/v3/contenttype/forms"/>
   </ds:schemaRefs>
 </ds:datastoreItem>
 </file>
@@ -7435,9 +7423,18 @@
 </file>
 
 <file path=customXml/itemProps3.xml><?xml version="1.0" encoding="utf-8"?>
-<ds:datastoreItem xmlns:ds="http://schemas.openxmlformats.org/officeDocument/2006/customXml" ds:itemID="{FBD8799C-CBA0-43B6-B31C-584BCF8821B4}">
+<ds:datastoreItem xmlns:ds="http://schemas.openxmlformats.org/officeDocument/2006/customXml" ds:itemID="{ED2DF0E0-0EA2-48B5-9DA2-3321820A21F2}">
   <ds:schemaRefs>
-    <ds:schemaRef ds:uri="http://schemas.microsoft.com/sharepoint/v3/contenttype/forms"/>
+    <ds:schemaRef ds:uri="http://purl.org/dc/dcmitype/"/>
+    <ds:schemaRef ds:uri="http://purl.org/dc/elements/1.1/"/>
+    <ds:schemaRef ds:uri="http://schemas.microsoft.com/office/2006/metadata/properties"/>
+    <ds:schemaRef ds:uri="d885478b-f22d-4d19-a775-a8723dc1337f"/>
+    <ds:schemaRef ds:uri="http://schemas.microsoft.com/office/infopath/2007/PartnerControls"/>
+    <ds:schemaRef ds:uri="http://schemas.microsoft.com/office/2006/documentManagement/types"/>
+    <ds:schemaRef ds:uri="http://purl.org/dc/terms/"/>
+    <ds:schemaRef ds:uri="http://schemas.openxmlformats.org/package/2006/metadata/core-properties"/>
+    <ds:schemaRef ds:uri="45f96d23-d40b-4212-8da3-c017d2a6f7c3"/>
+    <ds:schemaRef ds:uri="http://www.w3.org/XML/1998/namespace"/>
   </ds:schemaRefs>
 </ds:datastoreItem>
 </file>
--- a/Parcelas de contratos.pptx
+++ b/Parcelas de contratos.pptx
@@ -5,10 +5,10 @@
     <p:sldMasterId id="2147483648" r:id="rId4"/>
   </p:sldMasterIdLst>
   <p:notesMasterIdLst>
-    <p:notesMasterId r:id="rId11"/>
+    <p:notesMasterId r:id="rId13"/>
   </p:notesMasterIdLst>
   <p:handoutMasterIdLst>
-    <p:handoutMasterId r:id="rId12"/>
+    <p:handoutMasterId r:id="rId14"/>
   </p:handoutMasterIdLst>
   <p:sldIdLst>
     <p:sldId id="260" r:id="rId5"/>
@@ -16,7 +16,9 @@
     <p:sldId id="364" r:id="rId7"/>
     <p:sldId id="365" r:id="rId8"/>
     <p:sldId id="367" r:id="rId9"/>
-    <p:sldId id="369" r:id="rId10"/>
+    <p:sldId id="370" r:id="rId10"/>
+    <p:sldId id="371" r:id="rId11"/>
+    <p:sldId id="369" r:id="rId12"/>
   </p:sldIdLst>
   <p:sldSz cx="9144000" cy="6858000" type="screen4x3"/>
   <p:notesSz cx="6858000" cy="9144000"/>
@@ -921,244 +923,6 @@
         </a:p>
       </dgm:t>
     </dgm:pt>
-    <dgm:pt modelId="{3826565C-C0C4-4710-9A5D-20D49708D370}">
-      <dgm:prSet/>
-      <dgm:spPr/>
-      <dgm:t>
-        <a:bodyPr/>
-        <a:lstStyle/>
-        <a:p>
-          <a:r>
-            <a:rPr lang="pt-BR" dirty="0"/>
-            <a:t>Operador  GEF</a:t>
-          </a:r>
-        </a:p>
-      </dgm:t>
-    </dgm:pt>
-    <dgm:pt modelId="{692C97FF-FD57-46C3-8C53-86D0C7E161B5}" type="parTrans" cxnId="{F6C606F0-28C5-4A7A-98F1-FBDF80A649FB}">
-      <dgm:prSet/>
-      <dgm:spPr/>
-      <dgm:t>
-        <a:bodyPr/>
-        <a:lstStyle/>
-        <a:p>
-          <a:endParaRPr lang="pt-BR"/>
-        </a:p>
-      </dgm:t>
-    </dgm:pt>
-    <dgm:pt modelId="{014027B8-1096-4ADB-B34F-A5114EC69919}" type="sibTrans" cxnId="{F6C606F0-28C5-4A7A-98F1-FBDF80A649FB}">
-      <dgm:prSet/>
-      <dgm:spPr/>
-      <dgm:t>
-        <a:bodyPr/>
-        <a:lstStyle/>
-        <a:p>
-          <a:endParaRPr lang="pt-BR"/>
-        </a:p>
-      </dgm:t>
-    </dgm:pt>
-    <dgm:pt modelId="{7A417610-404C-4B94-8400-56B6532738D4}">
-      <dgm:prSet/>
-      <dgm:spPr/>
-      <dgm:t>
-        <a:bodyPr/>
-        <a:lstStyle/>
-        <a:p>
-          <a:r>
-            <a:rPr lang="pt-BR" dirty="0"/>
-            <a:t>Gerar parcela no movimento 1.1.15</a:t>
-          </a:r>
-        </a:p>
-      </dgm:t>
-    </dgm:pt>
-    <dgm:pt modelId="{3417C9F0-6162-4D00-A962-C2744BCE0688}" type="parTrans" cxnId="{D6AC349B-CE51-44C6-85D3-990F3933C076}">
-      <dgm:prSet/>
-      <dgm:spPr/>
-      <dgm:t>
-        <a:bodyPr/>
-        <a:lstStyle/>
-        <a:p>
-          <a:endParaRPr lang="pt-BR"/>
-        </a:p>
-      </dgm:t>
-    </dgm:pt>
-    <dgm:pt modelId="{C633C317-CED0-445C-A270-4D8AFBFC46EA}" type="sibTrans" cxnId="{D6AC349B-CE51-44C6-85D3-990F3933C076}">
-      <dgm:prSet/>
-      <dgm:spPr/>
-      <dgm:t>
-        <a:bodyPr/>
-        <a:lstStyle/>
-        <a:p>
-          <a:endParaRPr lang="pt-BR"/>
-        </a:p>
-      </dgm:t>
-    </dgm:pt>
-    <dgm:pt modelId="{7D19369D-B505-4820-A16B-D34959692589}">
-      <dgm:prSet/>
-      <dgm:spPr/>
-      <dgm:t>
-        <a:bodyPr/>
-        <a:lstStyle/>
-        <a:p>
-          <a:r>
-            <a:rPr lang="pt-BR" dirty="0"/>
-            <a:t>Gestor Centro de Custo</a:t>
-          </a:r>
-        </a:p>
-      </dgm:t>
-    </dgm:pt>
-    <dgm:pt modelId="{AC2E12B2-4A96-45BA-B909-E7C7794B96C5}" type="parTrans" cxnId="{FC9F028A-468C-4A79-887B-953F21D52F71}">
-      <dgm:prSet/>
-      <dgm:spPr/>
-      <dgm:t>
-        <a:bodyPr/>
-        <a:lstStyle/>
-        <a:p>
-          <a:endParaRPr lang="pt-BR"/>
-        </a:p>
-      </dgm:t>
-    </dgm:pt>
-    <dgm:pt modelId="{19A9DD09-90C1-47EA-A696-162A91A5A602}" type="sibTrans" cxnId="{FC9F028A-468C-4A79-887B-953F21D52F71}">
-      <dgm:prSet/>
-      <dgm:spPr/>
-      <dgm:t>
-        <a:bodyPr/>
-        <a:lstStyle/>
-        <a:p>
-          <a:endParaRPr lang="pt-BR"/>
-        </a:p>
-      </dgm:t>
-    </dgm:pt>
-    <dgm:pt modelId="{5916C1D6-80EB-44EA-9391-7CFE3D3ADBD9}">
-      <dgm:prSet/>
-      <dgm:spPr/>
-      <dgm:t>
-        <a:bodyPr/>
-        <a:lstStyle/>
-        <a:p>
-          <a:r>
-            <a:rPr lang="pt-BR" dirty="0"/>
-            <a:t>Validar solicitação</a:t>
-          </a:r>
-        </a:p>
-      </dgm:t>
-    </dgm:pt>
-    <dgm:pt modelId="{BC8FF09B-2BAE-4233-A0CC-034215038697}" type="parTrans" cxnId="{F4258577-34BD-4115-A32B-800937BEFD98}">
-      <dgm:prSet/>
-      <dgm:spPr/>
-      <dgm:t>
-        <a:bodyPr/>
-        <a:lstStyle/>
-        <a:p>
-          <a:endParaRPr lang="pt-BR"/>
-        </a:p>
-      </dgm:t>
-    </dgm:pt>
-    <dgm:pt modelId="{9F9508E3-DEEB-4B12-BB82-5353B0C905DD}" type="sibTrans" cxnId="{F4258577-34BD-4115-A32B-800937BEFD98}">
-      <dgm:prSet/>
-      <dgm:spPr/>
-      <dgm:t>
-        <a:bodyPr/>
-        <a:lstStyle/>
-        <a:p>
-          <a:endParaRPr lang="pt-BR"/>
-        </a:p>
-      </dgm:t>
-    </dgm:pt>
-    <dgm:pt modelId="{B5BC98C4-32B5-44E8-8DE9-EFE50F2A9833}">
-      <dgm:prSet/>
-      <dgm:spPr/>
-      <dgm:t>
-        <a:bodyPr/>
-        <a:lstStyle/>
-        <a:p>
-          <a:r>
-            <a:rPr lang="pt-BR" dirty="0"/>
-            <a:t>Anexar documentação</a:t>
-          </a:r>
-        </a:p>
-      </dgm:t>
-    </dgm:pt>
-    <dgm:pt modelId="{FF3EA95A-96A4-4F23-BADE-7EBC1988DDAF}" type="parTrans" cxnId="{B9D1844D-F5FE-4103-926D-7744BFBA0A5A}">
-      <dgm:prSet/>
-      <dgm:spPr/>
-      <dgm:t>
-        <a:bodyPr/>
-        <a:lstStyle/>
-        <a:p>
-          <a:endParaRPr lang="pt-BR"/>
-        </a:p>
-      </dgm:t>
-    </dgm:pt>
-    <dgm:pt modelId="{9C6D7BF1-4E7B-42A4-9795-DA3F32CA774E}" type="sibTrans" cxnId="{B9D1844D-F5FE-4103-926D-7744BFBA0A5A}">
-      <dgm:prSet/>
-      <dgm:spPr/>
-      <dgm:t>
-        <a:bodyPr/>
-        <a:lstStyle/>
-        <a:p>
-          <a:endParaRPr lang="pt-BR"/>
-        </a:p>
-      </dgm:t>
-    </dgm:pt>
-    <dgm:pt modelId="{8B1EB267-0702-42B3-A26E-6D8C2D1DB4DC}">
-      <dgm:prSet/>
-      <dgm:spPr/>
-      <dgm:t>
-        <a:bodyPr/>
-        <a:lstStyle/>
-        <a:p>
-          <a:r>
-            <a:rPr lang="pt-BR" dirty="0"/>
-            <a:t>Analista Fiscal</a:t>
-          </a:r>
-        </a:p>
-      </dgm:t>
-    </dgm:pt>
-    <dgm:pt modelId="{5B393D69-E22A-4721-A6D4-8CBB00A3D0EA}" type="parTrans" cxnId="{6B694BBB-3DDF-4CAD-98F0-B0489BCB0A79}">
-      <dgm:prSet/>
-      <dgm:spPr/>
-    </dgm:pt>
-    <dgm:pt modelId="{973AF24D-BD30-4C80-80D2-C839D581EE56}" type="sibTrans" cxnId="{6B694BBB-3DDF-4CAD-98F0-B0489BCB0A79}">
-      <dgm:prSet/>
-      <dgm:spPr/>
-    </dgm:pt>
-    <dgm:pt modelId="{A2E6F93C-65A5-4F2E-B225-5E7B6C1AB6D3}">
-      <dgm:prSet/>
-      <dgm:spPr/>
-      <dgm:t>
-        <a:bodyPr/>
-        <a:lstStyle/>
-        <a:p>
-          <a:r>
-            <a:rPr lang="pt-BR" dirty="0"/>
-            <a:t>Verificar solicitação</a:t>
-          </a:r>
-        </a:p>
-      </dgm:t>
-    </dgm:pt>
-    <dgm:pt modelId="{21335282-1D07-43A4-AE20-5DA3F3E67BC0}" type="parTrans" cxnId="{583113D9-94E5-47DB-BA54-88C58FB82418}">
-      <dgm:prSet/>
-      <dgm:spPr/>
-      <dgm:t>
-        <a:bodyPr/>
-        <a:lstStyle/>
-        <a:p>
-          <a:endParaRPr lang="pt-BR"/>
-        </a:p>
-      </dgm:t>
-    </dgm:pt>
-    <dgm:pt modelId="{64703E8A-FF8A-4F1D-AFEF-21FC7D1D87FE}" type="sibTrans" cxnId="{583113D9-94E5-47DB-BA54-88C58FB82418}">
-      <dgm:prSet/>
-      <dgm:spPr/>
-      <dgm:t>
-        <a:bodyPr/>
-        <a:lstStyle/>
-        <a:p>
-          <a:endParaRPr lang="pt-BR"/>
-        </a:p>
-      </dgm:t>
-    </dgm:pt>
     <dgm:pt modelId="{D66DF890-FC51-4941-8BE4-99148A2449FD}" type="pres">
       <dgm:prSet presAssocID="{3CD96A28-1AF6-4BF8-97E8-442D5F054D82}" presName="Name0" presStyleCnt="0">
         <dgm:presLayoutVars>
@@ -1169,108 +933,9 @@
       </dgm:prSet>
       <dgm:spPr/>
     </dgm:pt>
-    <dgm:pt modelId="{31A9A926-275D-490E-AA4C-3A1C38614D7D}" type="pres">
-      <dgm:prSet presAssocID="{3826565C-C0C4-4710-9A5D-20D49708D370}" presName="composite" presStyleCnt="0"/>
-      <dgm:spPr/>
-    </dgm:pt>
-    <dgm:pt modelId="{5615029F-B8EE-4693-ACCD-7A574F0CBDB5}" type="pres">
-      <dgm:prSet presAssocID="{3826565C-C0C4-4710-9A5D-20D49708D370}" presName="parTx" presStyleLbl="alignNode1" presStyleIdx="0" presStyleCnt="3">
-        <dgm:presLayoutVars>
-          <dgm:chMax val="0"/>
-          <dgm:chPref val="0"/>
-          <dgm:bulletEnabled val="1"/>
-        </dgm:presLayoutVars>
-      </dgm:prSet>
-      <dgm:spPr/>
-    </dgm:pt>
-    <dgm:pt modelId="{915C1E27-C158-461E-B395-F8B824098BB1}" type="pres">
-      <dgm:prSet presAssocID="{3826565C-C0C4-4710-9A5D-20D49708D370}" presName="desTx" presStyleLbl="alignAccFollowNode1" presStyleIdx="0" presStyleCnt="3">
-        <dgm:presLayoutVars>
-          <dgm:bulletEnabled val="1"/>
-        </dgm:presLayoutVars>
-      </dgm:prSet>
-      <dgm:spPr/>
-    </dgm:pt>
-    <dgm:pt modelId="{3D242C2B-1E64-4192-B4A8-95FE9BA612C0}" type="pres">
-      <dgm:prSet presAssocID="{014027B8-1096-4ADB-B34F-A5114EC69919}" presName="space" presStyleCnt="0"/>
-      <dgm:spPr/>
-    </dgm:pt>
-    <dgm:pt modelId="{CA5BE40E-6CB0-47B1-BCAC-AC9822FD6D77}" type="pres">
-      <dgm:prSet presAssocID="{7D19369D-B505-4820-A16B-D34959692589}" presName="composite" presStyleCnt="0"/>
-      <dgm:spPr/>
-    </dgm:pt>
-    <dgm:pt modelId="{C5A15CEA-636D-4DCC-9791-D708AFCB94D0}" type="pres">
-      <dgm:prSet presAssocID="{7D19369D-B505-4820-A16B-D34959692589}" presName="parTx" presStyleLbl="alignNode1" presStyleIdx="1" presStyleCnt="3">
-        <dgm:presLayoutVars>
-          <dgm:chMax val="0"/>
-          <dgm:chPref val="0"/>
-          <dgm:bulletEnabled val="1"/>
-        </dgm:presLayoutVars>
-      </dgm:prSet>
-      <dgm:spPr/>
-    </dgm:pt>
-    <dgm:pt modelId="{D2B0B62E-32A3-44A3-904D-75B06CDF8430}" type="pres">
-      <dgm:prSet presAssocID="{7D19369D-B505-4820-A16B-D34959692589}" presName="desTx" presStyleLbl="alignAccFollowNode1" presStyleIdx="1" presStyleCnt="3">
-        <dgm:presLayoutVars>
-          <dgm:bulletEnabled val="1"/>
-        </dgm:presLayoutVars>
-      </dgm:prSet>
-      <dgm:spPr/>
-    </dgm:pt>
-    <dgm:pt modelId="{F4DA5B8B-3890-4EB7-B889-3C7F13EF67EA}" type="pres">
-      <dgm:prSet presAssocID="{19A9DD09-90C1-47EA-A696-162A91A5A602}" presName="space" presStyleCnt="0"/>
-      <dgm:spPr/>
-    </dgm:pt>
-    <dgm:pt modelId="{FE200AA7-4704-4F48-9CA3-0F81C5ED61FE}" type="pres">
-      <dgm:prSet presAssocID="{8B1EB267-0702-42B3-A26E-6D8C2D1DB4DC}" presName="composite" presStyleCnt="0"/>
-      <dgm:spPr/>
-    </dgm:pt>
-    <dgm:pt modelId="{0BBCB443-7864-4E71-9E2E-2489DE3CD69A}" type="pres">
-      <dgm:prSet presAssocID="{8B1EB267-0702-42B3-A26E-6D8C2D1DB4DC}" presName="parTx" presStyleLbl="alignNode1" presStyleIdx="2" presStyleCnt="3">
-        <dgm:presLayoutVars>
-          <dgm:chMax val="0"/>
-          <dgm:chPref val="0"/>
-          <dgm:bulletEnabled val="1"/>
-        </dgm:presLayoutVars>
-      </dgm:prSet>
-      <dgm:spPr/>
-    </dgm:pt>
-    <dgm:pt modelId="{18454111-EC10-440C-A0B9-F673544CAECB}" type="pres">
-      <dgm:prSet presAssocID="{8B1EB267-0702-42B3-A26E-6D8C2D1DB4DC}" presName="desTx" presStyleLbl="alignAccFollowNode1" presStyleIdx="2" presStyleCnt="3">
-        <dgm:presLayoutVars>
-          <dgm:bulletEnabled val="1"/>
-        </dgm:presLayoutVars>
-      </dgm:prSet>
-      <dgm:spPr/>
-    </dgm:pt>
   </dgm:ptLst>
   <dgm:cxnLst>
-    <dgm:cxn modelId="{50E37917-C83B-424E-855B-0CB8CE3569EA}" type="presOf" srcId="{7A417610-404C-4B94-8400-56B6532738D4}" destId="{915C1E27-C158-461E-B395-F8B824098BB1}" srcOrd="0" destOrd="0" presId="urn:microsoft.com/office/officeart/2005/8/layout/hList1"/>
-    <dgm:cxn modelId="{FB0E7B1F-9B5B-4BDE-8866-1D2F7264CB25}" type="presOf" srcId="{5916C1D6-80EB-44EA-9391-7CFE3D3ADBD9}" destId="{D2B0B62E-32A3-44A3-904D-75B06CDF8430}" srcOrd="0" destOrd="0" presId="urn:microsoft.com/office/officeart/2005/8/layout/hList1"/>
-    <dgm:cxn modelId="{3B28F237-6E93-4D18-97E1-115548D65755}" type="presOf" srcId="{7D19369D-B505-4820-A16B-D34959692589}" destId="{C5A15CEA-636D-4DCC-9791-D708AFCB94D0}" srcOrd="0" destOrd="0" presId="urn:microsoft.com/office/officeart/2005/8/layout/hList1"/>
-    <dgm:cxn modelId="{53929048-5A88-447D-84DE-1B4CF6D88559}" type="presOf" srcId="{3826565C-C0C4-4710-9A5D-20D49708D370}" destId="{5615029F-B8EE-4693-ACCD-7A574F0CBDB5}" srcOrd="0" destOrd="0" presId="urn:microsoft.com/office/officeart/2005/8/layout/hList1"/>
-    <dgm:cxn modelId="{9E752B6A-07C8-4FAF-9430-43454362CCC8}" type="presOf" srcId="{B5BC98C4-32B5-44E8-8DE9-EFE50F2A9833}" destId="{915C1E27-C158-461E-B395-F8B824098BB1}" srcOrd="0" destOrd="1" presId="urn:microsoft.com/office/officeart/2005/8/layout/hList1"/>
-    <dgm:cxn modelId="{B9D1844D-F5FE-4103-926D-7744BFBA0A5A}" srcId="{3826565C-C0C4-4710-9A5D-20D49708D370}" destId="{B5BC98C4-32B5-44E8-8DE9-EFE50F2A9833}" srcOrd="1" destOrd="0" parTransId="{FF3EA95A-96A4-4F23-BADE-7EBC1988DDAF}" sibTransId="{9C6D7BF1-4E7B-42A4-9795-DA3F32CA774E}"/>
-    <dgm:cxn modelId="{F4258577-34BD-4115-A32B-800937BEFD98}" srcId="{7D19369D-B505-4820-A16B-D34959692589}" destId="{5916C1D6-80EB-44EA-9391-7CFE3D3ADBD9}" srcOrd="0" destOrd="0" parTransId="{BC8FF09B-2BAE-4233-A0CC-034215038697}" sibTransId="{9F9508E3-DEEB-4B12-BB82-5353B0C905DD}"/>
-    <dgm:cxn modelId="{FC9F028A-468C-4A79-887B-953F21D52F71}" srcId="{3CD96A28-1AF6-4BF8-97E8-442D5F054D82}" destId="{7D19369D-B505-4820-A16B-D34959692589}" srcOrd="1" destOrd="0" parTransId="{AC2E12B2-4A96-45BA-B909-E7C7794B96C5}" sibTransId="{19A9DD09-90C1-47EA-A696-162A91A5A602}"/>
-    <dgm:cxn modelId="{D6AC349B-CE51-44C6-85D3-990F3933C076}" srcId="{3826565C-C0C4-4710-9A5D-20D49708D370}" destId="{7A417610-404C-4B94-8400-56B6532738D4}" srcOrd="0" destOrd="0" parTransId="{3417C9F0-6162-4D00-A962-C2744BCE0688}" sibTransId="{C633C317-CED0-445C-A270-4D8AFBFC46EA}"/>
-    <dgm:cxn modelId="{6B694BBB-3DDF-4CAD-98F0-B0489BCB0A79}" srcId="{3CD96A28-1AF6-4BF8-97E8-442D5F054D82}" destId="{8B1EB267-0702-42B3-A26E-6D8C2D1DB4DC}" srcOrd="2" destOrd="0" parTransId="{5B393D69-E22A-4721-A6D4-8CBB00A3D0EA}" sibTransId="{973AF24D-BD30-4C80-80D2-C839D581EE56}"/>
     <dgm:cxn modelId="{D564A0BF-50A2-4A20-A959-7617B5B5E6D3}" type="presOf" srcId="{3CD96A28-1AF6-4BF8-97E8-442D5F054D82}" destId="{D66DF890-FC51-4941-8BE4-99148A2449FD}" srcOrd="0" destOrd="0" presId="urn:microsoft.com/office/officeart/2005/8/layout/hList1"/>
-    <dgm:cxn modelId="{583113D9-94E5-47DB-BA54-88C58FB82418}" srcId="{8B1EB267-0702-42B3-A26E-6D8C2D1DB4DC}" destId="{A2E6F93C-65A5-4F2E-B225-5E7B6C1AB6D3}" srcOrd="0" destOrd="0" parTransId="{21335282-1D07-43A4-AE20-5DA3F3E67BC0}" sibTransId="{64703E8A-FF8A-4F1D-AFEF-21FC7D1D87FE}"/>
-    <dgm:cxn modelId="{4CACF4DF-2E67-4D09-BF39-151B0A435E86}" type="presOf" srcId="{A2E6F93C-65A5-4F2E-B225-5E7B6C1AB6D3}" destId="{18454111-EC10-440C-A0B9-F673544CAECB}" srcOrd="0" destOrd="0" presId="urn:microsoft.com/office/officeart/2005/8/layout/hList1"/>
-    <dgm:cxn modelId="{F6C606F0-28C5-4A7A-98F1-FBDF80A649FB}" srcId="{3CD96A28-1AF6-4BF8-97E8-442D5F054D82}" destId="{3826565C-C0C4-4710-9A5D-20D49708D370}" srcOrd="0" destOrd="0" parTransId="{692C97FF-FD57-46C3-8C53-86D0C7E161B5}" sibTransId="{014027B8-1096-4ADB-B34F-A5114EC69919}"/>
-    <dgm:cxn modelId="{0257A4FB-BBF3-4212-AF75-7CB43A44DD17}" type="presOf" srcId="{8B1EB267-0702-42B3-A26E-6D8C2D1DB4DC}" destId="{0BBCB443-7864-4E71-9E2E-2489DE3CD69A}" srcOrd="0" destOrd="0" presId="urn:microsoft.com/office/officeart/2005/8/layout/hList1"/>
-    <dgm:cxn modelId="{ACC7CEDF-03D2-4339-AAFD-A33BD4EB85B2}" type="presParOf" srcId="{D66DF890-FC51-4941-8BE4-99148A2449FD}" destId="{31A9A926-275D-490E-AA4C-3A1C38614D7D}" srcOrd="0" destOrd="0" presId="urn:microsoft.com/office/officeart/2005/8/layout/hList1"/>
-    <dgm:cxn modelId="{E8DA5D61-DA35-49D8-8079-72EE86B13BEA}" type="presParOf" srcId="{31A9A926-275D-490E-AA4C-3A1C38614D7D}" destId="{5615029F-B8EE-4693-ACCD-7A574F0CBDB5}" srcOrd="0" destOrd="0" presId="urn:microsoft.com/office/officeart/2005/8/layout/hList1"/>
-    <dgm:cxn modelId="{02001FCA-FF31-477E-A5B9-B0DFE0EAE34B}" type="presParOf" srcId="{31A9A926-275D-490E-AA4C-3A1C38614D7D}" destId="{915C1E27-C158-461E-B395-F8B824098BB1}" srcOrd="1" destOrd="0" presId="urn:microsoft.com/office/officeart/2005/8/layout/hList1"/>
-    <dgm:cxn modelId="{C8AB0BE4-25E9-41C1-AF50-EBDF4C811D02}" type="presParOf" srcId="{D66DF890-FC51-4941-8BE4-99148A2449FD}" destId="{3D242C2B-1E64-4192-B4A8-95FE9BA612C0}" srcOrd="1" destOrd="0" presId="urn:microsoft.com/office/officeart/2005/8/layout/hList1"/>
-    <dgm:cxn modelId="{A9D66BEA-F18E-4F53-B13D-596B6621E9AF}" type="presParOf" srcId="{D66DF890-FC51-4941-8BE4-99148A2449FD}" destId="{CA5BE40E-6CB0-47B1-BCAC-AC9822FD6D77}" srcOrd="2" destOrd="0" presId="urn:microsoft.com/office/officeart/2005/8/layout/hList1"/>
-    <dgm:cxn modelId="{95465D63-A3F9-4757-A879-29932A500DE7}" type="presParOf" srcId="{CA5BE40E-6CB0-47B1-BCAC-AC9822FD6D77}" destId="{C5A15CEA-636D-4DCC-9791-D708AFCB94D0}" srcOrd="0" destOrd="0" presId="urn:microsoft.com/office/officeart/2005/8/layout/hList1"/>
-    <dgm:cxn modelId="{9A956F40-CC70-47A5-A345-453488272F09}" type="presParOf" srcId="{CA5BE40E-6CB0-47B1-BCAC-AC9822FD6D77}" destId="{D2B0B62E-32A3-44A3-904D-75B06CDF8430}" srcOrd="1" destOrd="0" presId="urn:microsoft.com/office/officeart/2005/8/layout/hList1"/>
-    <dgm:cxn modelId="{D687C38E-40A4-4BC8-9FBF-FC5C0A320168}" type="presParOf" srcId="{D66DF890-FC51-4941-8BE4-99148A2449FD}" destId="{F4DA5B8B-3890-4EB7-B889-3C7F13EF67EA}" srcOrd="3" destOrd="0" presId="urn:microsoft.com/office/officeart/2005/8/layout/hList1"/>
-    <dgm:cxn modelId="{CD99147D-80B7-43D0-9E61-678B9AA06BC4}" type="presParOf" srcId="{D66DF890-FC51-4941-8BE4-99148A2449FD}" destId="{FE200AA7-4704-4F48-9CA3-0F81C5ED61FE}" srcOrd="4" destOrd="0" presId="urn:microsoft.com/office/officeart/2005/8/layout/hList1"/>
-    <dgm:cxn modelId="{2BE2AC85-0D92-43FE-AFE0-BDDCEBD455BF}" type="presParOf" srcId="{FE200AA7-4704-4F48-9CA3-0F81C5ED61FE}" destId="{0BBCB443-7864-4E71-9E2E-2489DE3CD69A}" srcOrd="0" destOrd="0" presId="urn:microsoft.com/office/officeart/2005/8/layout/hList1"/>
-    <dgm:cxn modelId="{84B44CC3-BD2D-437C-A223-DEDD7B392C5D}" type="presParOf" srcId="{FE200AA7-4704-4F48-9CA3-0F81C5ED61FE}" destId="{18454111-EC10-440C-A0B9-F673544CAECB}" srcOrd="1" destOrd="0" presId="urn:microsoft.com/office/officeart/2005/8/layout/hList1"/>
   </dgm:cxnLst>
   <dgm:bg/>
   <dgm:whole/>
@@ -1290,492 +955,6 @@
       <dsp:cNvGrpSpPr/>
     </dsp:nvGrpSpPr>
     <dsp:grpSpPr/>
-    <dsp:sp modelId="{5615029F-B8EE-4693-ACCD-7A574F0CBDB5}">
-      <dsp:nvSpPr>
-        <dsp:cNvPr id="0" name=""/>
-        <dsp:cNvSpPr/>
-      </dsp:nvSpPr>
-      <dsp:spPr>
-        <a:xfrm>
-          <a:off x="2790" y="516919"/>
-          <a:ext cx="2720552" cy="1032165"/>
-        </a:xfrm>
-        <a:prstGeom prst="rect">
-          <a:avLst/>
-        </a:prstGeom>
-        <a:solidFill>
-          <a:schemeClr val="accent1">
-            <a:hueOff val="0"/>
-            <a:satOff val="0"/>
-            <a:lumOff val="0"/>
-            <a:alphaOff val="0"/>
-          </a:schemeClr>
-        </a:solidFill>
-        <a:ln w="25400" cap="flat" cmpd="sng" algn="ctr">
-          <a:solidFill>
-            <a:schemeClr val="accent1">
-              <a:hueOff val="0"/>
-              <a:satOff val="0"/>
-              <a:lumOff val="0"/>
-              <a:alphaOff val="0"/>
-            </a:schemeClr>
-          </a:solidFill>
-          <a:prstDash val="solid"/>
-        </a:ln>
-        <a:effectLst/>
-      </dsp:spPr>
-      <dsp:style>
-        <a:lnRef idx="2">
-          <a:scrgbClr r="0" g="0" b="0"/>
-        </a:lnRef>
-        <a:fillRef idx="1">
-          <a:scrgbClr r="0" g="0" b="0"/>
-        </a:fillRef>
-        <a:effectRef idx="0">
-          <a:scrgbClr r="0" g="0" b="0"/>
-        </a:effectRef>
-        <a:fontRef idx="minor">
-          <a:schemeClr val="lt1"/>
-        </a:fontRef>
-      </dsp:style>
-      <dsp:txBody>
-        <a:bodyPr spcFirstLastPara="0" vert="horz" wrap="square" lIns="213360" tIns="121920" rIns="213360" bIns="121920" numCol="1" spcCol="1270" anchor="ctr" anchorCtr="0">
-          <a:noAutofit/>
-        </a:bodyPr>
-        <a:lstStyle/>
-        <a:p>
-          <a:pPr marL="0" lvl="0" indent="0" algn="ctr" defTabSz="1333500">
-            <a:lnSpc>
-              <a:spcPct val="90000"/>
-            </a:lnSpc>
-            <a:spcBef>
-              <a:spcPct val="0"/>
-            </a:spcBef>
-            <a:spcAft>
-              <a:spcPct val="35000"/>
-            </a:spcAft>
-            <a:buNone/>
-          </a:pPr>
-          <a:r>
-            <a:rPr lang="pt-BR" sz="3000" kern="1200" dirty="0"/>
-            <a:t>Operador  GEF</a:t>
-          </a:r>
-        </a:p>
-      </dsp:txBody>
-      <dsp:txXfrm>
-        <a:off x="2790" y="516919"/>
-        <a:ext cx="2720552" cy="1032165"/>
-      </dsp:txXfrm>
-    </dsp:sp>
-    <dsp:sp modelId="{915C1E27-C158-461E-B395-F8B824098BB1}">
-      <dsp:nvSpPr>
-        <dsp:cNvPr id="0" name=""/>
-        <dsp:cNvSpPr/>
-      </dsp:nvSpPr>
-      <dsp:spPr>
-        <a:xfrm>
-          <a:off x="2790" y="1549084"/>
-          <a:ext cx="2720552" cy="2470500"/>
-        </a:xfrm>
-        <a:prstGeom prst="rect">
-          <a:avLst/>
-        </a:prstGeom>
-        <a:solidFill>
-          <a:schemeClr val="accent1">
-            <a:alpha val="90000"/>
-            <a:tint val="40000"/>
-            <a:hueOff val="0"/>
-            <a:satOff val="0"/>
-            <a:lumOff val="0"/>
-            <a:alphaOff val="0"/>
-          </a:schemeClr>
-        </a:solidFill>
-        <a:ln w="25400" cap="flat" cmpd="sng" algn="ctr">
-          <a:solidFill>
-            <a:schemeClr val="accent1">
-              <a:alpha val="90000"/>
-              <a:tint val="40000"/>
-              <a:hueOff val="0"/>
-              <a:satOff val="0"/>
-              <a:lumOff val="0"/>
-              <a:alphaOff val="0"/>
-            </a:schemeClr>
-          </a:solidFill>
-          <a:prstDash val="solid"/>
-        </a:ln>
-        <a:effectLst/>
-      </dsp:spPr>
-      <dsp:style>
-        <a:lnRef idx="2">
-          <a:scrgbClr r="0" g="0" b="0"/>
-        </a:lnRef>
-        <a:fillRef idx="1">
-          <a:scrgbClr r="0" g="0" b="0"/>
-        </a:fillRef>
-        <a:effectRef idx="0">
-          <a:scrgbClr r="0" g="0" b="0"/>
-        </a:effectRef>
-        <a:fontRef idx="minor"/>
-      </dsp:style>
-      <dsp:txBody>
-        <a:bodyPr spcFirstLastPara="0" vert="horz" wrap="square" lIns="160020" tIns="160020" rIns="213360" bIns="240030" numCol="1" spcCol="1270" anchor="t" anchorCtr="0">
-          <a:noAutofit/>
-        </a:bodyPr>
-        <a:lstStyle/>
-        <a:p>
-          <a:pPr marL="285750" lvl="1" indent="-285750" algn="l" defTabSz="1333500">
-            <a:lnSpc>
-              <a:spcPct val="90000"/>
-            </a:lnSpc>
-            <a:spcBef>
-              <a:spcPct val="0"/>
-            </a:spcBef>
-            <a:spcAft>
-              <a:spcPct val="15000"/>
-            </a:spcAft>
-            <a:buChar char="•"/>
-          </a:pPr>
-          <a:r>
-            <a:rPr lang="pt-BR" sz="3000" kern="1200" dirty="0"/>
-            <a:t>Gerar parcela no movimento 1.1.15</a:t>
-          </a:r>
-        </a:p>
-        <a:p>
-          <a:pPr marL="285750" lvl="1" indent="-285750" algn="l" defTabSz="1333500">
-            <a:lnSpc>
-              <a:spcPct val="90000"/>
-            </a:lnSpc>
-            <a:spcBef>
-              <a:spcPct val="0"/>
-            </a:spcBef>
-            <a:spcAft>
-              <a:spcPct val="15000"/>
-            </a:spcAft>
-            <a:buChar char="•"/>
-          </a:pPr>
-          <a:r>
-            <a:rPr lang="pt-BR" sz="3000" kern="1200" dirty="0"/>
-            <a:t>Anexar documentação</a:t>
-          </a:r>
-        </a:p>
-      </dsp:txBody>
-      <dsp:txXfrm>
-        <a:off x="2790" y="1549084"/>
-        <a:ext cx="2720552" cy="2470500"/>
-      </dsp:txXfrm>
-    </dsp:sp>
-    <dsp:sp modelId="{C5A15CEA-636D-4DCC-9791-D708AFCB94D0}">
-      <dsp:nvSpPr>
-        <dsp:cNvPr id="0" name=""/>
-        <dsp:cNvSpPr/>
-      </dsp:nvSpPr>
-      <dsp:spPr>
-        <a:xfrm>
-          <a:off x="3104219" y="516919"/>
-          <a:ext cx="2720552" cy="1032165"/>
-        </a:xfrm>
-        <a:prstGeom prst="rect">
-          <a:avLst/>
-        </a:prstGeom>
-        <a:solidFill>
-          <a:schemeClr val="accent1">
-            <a:hueOff val="0"/>
-            <a:satOff val="0"/>
-            <a:lumOff val="0"/>
-            <a:alphaOff val="0"/>
-          </a:schemeClr>
-        </a:solidFill>
-        <a:ln w="25400" cap="flat" cmpd="sng" algn="ctr">
-          <a:solidFill>
-            <a:schemeClr val="accent1">
-              <a:hueOff val="0"/>
-              <a:satOff val="0"/>
-              <a:lumOff val="0"/>
-              <a:alphaOff val="0"/>
-            </a:schemeClr>
-          </a:solidFill>
-          <a:prstDash val="solid"/>
-        </a:ln>
-        <a:effectLst/>
-      </dsp:spPr>
-      <dsp:style>
-        <a:lnRef idx="2">
-          <a:scrgbClr r="0" g="0" b="0"/>
-        </a:lnRef>
-        <a:fillRef idx="1">
-          <a:scrgbClr r="0" g="0" b="0"/>
-        </a:fillRef>
-        <a:effectRef idx="0">
-          <a:scrgbClr r="0" g="0" b="0"/>
-        </a:effectRef>
-        <a:fontRef idx="minor">
-          <a:schemeClr val="lt1"/>
-        </a:fontRef>
-      </dsp:style>
-      <dsp:txBody>
-        <a:bodyPr spcFirstLastPara="0" vert="horz" wrap="square" lIns="213360" tIns="121920" rIns="213360" bIns="121920" numCol="1" spcCol="1270" anchor="ctr" anchorCtr="0">
-          <a:noAutofit/>
-        </a:bodyPr>
-        <a:lstStyle/>
-        <a:p>
-          <a:pPr marL="0" lvl="0" indent="0" algn="ctr" defTabSz="1333500">
-            <a:lnSpc>
-              <a:spcPct val="90000"/>
-            </a:lnSpc>
-            <a:spcBef>
-              <a:spcPct val="0"/>
-            </a:spcBef>
-            <a:spcAft>
-              <a:spcPct val="35000"/>
-            </a:spcAft>
-            <a:buNone/>
-          </a:pPr>
-          <a:r>
-            <a:rPr lang="pt-BR" sz="3000" kern="1200" dirty="0"/>
-            <a:t>Gestor Centro de Custo</a:t>
-          </a:r>
-        </a:p>
-      </dsp:txBody>
-      <dsp:txXfrm>
-        <a:off x="3104219" y="516919"/>
-        <a:ext cx="2720552" cy="1032165"/>
-      </dsp:txXfrm>
-    </dsp:sp>
-    <dsp:sp modelId="{D2B0B62E-32A3-44A3-904D-75B06CDF8430}">
-      <dsp:nvSpPr>
-        <dsp:cNvPr id="0" name=""/>
-        <dsp:cNvSpPr/>
-      </dsp:nvSpPr>
-      <dsp:spPr>
-        <a:xfrm>
-          <a:off x="3104219" y="1549084"/>
-          <a:ext cx="2720552" cy="2470500"/>
-        </a:xfrm>
-        <a:prstGeom prst="rect">
-          <a:avLst/>
-        </a:prstGeom>
-        <a:solidFill>
-          <a:schemeClr val="accent1">
-            <a:alpha val="90000"/>
-            <a:tint val="40000"/>
-            <a:hueOff val="0"/>
-            <a:satOff val="0"/>
-            <a:lumOff val="0"/>
-            <a:alphaOff val="0"/>
-          </a:schemeClr>
-        </a:solidFill>
-        <a:ln w="25400" cap="flat" cmpd="sng" algn="ctr">
-          <a:solidFill>
-            <a:schemeClr val="accent1">
-              <a:alpha val="90000"/>
-              <a:tint val="40000"/>
-              <a:hueOff val="0"/>
-              <a:satOff val="0"/>
-              <a:lumOff val="0"/>
-              <a:alphaOff val="0"/>
-            </a:schemeClr>
-          </a:solidFill>
-          <a:prstDash val="solid"/>
-        </a:ln>
-        <a:effectLst/>
-      </dsp:spPr>
-      <dsp:style>
-        <a:lnRef idx="2">
-          <a:scrgbClr r="0" g="0" b="0"/>
-        </a:lnRef>
-        <a:fillRef idx="1">
-          <a:scrgbClr r="0" g="0" b="0"/>
-        </a:fillRef>
-        <a:effectRef idx="0">
-          <a:scrgbClr r="0" g="0" b="0"/>
-        </a:effectRef>
-        <a:fontRef idx="minor"/>
-      </dsp:style>
-      <dsp:txBody>
-        <a:bodyPr spcFirstLastPara="0" vert="horz" wrap="square" lIns="160020" tIns="160020" rIns="213360" bIns="240030" numCol="1" spcCol="1270" anchor="t" anchorCtr="0">
-          <a:noAutofit/>
-        </a:bodyPr>
-        <a:lstStyle/>
-        <a:p>
-          <a:pPr marL="285750" lvl="1" indent="-285750" algn="l" defTabSz="1333500">
-            <a:lnSpc>
-              <a:spcPct val="90000"/>
-            </a:lnSpc>
-            <a:spcBef>
-              <a:spcPct val="0"/>
-            </a:spcBef>
-            <a:spcAft>
-              <a:spcPct val="15000"/>
-            </a:spcAft>
-            <a:buChar char="•"/>
-          </a:pPr>
-          <a:r>
-            <a:rPr lang="pt-BR" sz="3000" kern="1200" dirty="0"/>
-            <a:t>Validar solicitação</a:t>
-          </a:r>
-        </a:p>
-      </dsp:txBody>
-      <dsp:txXfrm>
-        <a:off x="3104219" y="1549084"/>
-        <a:ext cx="2720552" cy="2470500"/>
-      </dsp:txXfrm>
-    </dsp:sp>
-    <dsp:sp modelId="{0BBCB443-7864-4E71-9E2E-2489DE3CD69A}">
-      <dsp:nvSpPr>
-        <dsp:cNvPr id="0" name=""/>
-        <dsp:cNvSpPr/>
-      </dsp:nvSpPr>
-      <dsp:spPr>
-        <a:xfrm>
-          <a:off x="6205649" y="516919"/>
-          <a:ext cx="2720552" cy="1032165"/>
-        </a:xfrm>
-        <a:prstGeom prst="rect">
-          <a:avLst/>
-        </a:prstGeom>
-        <a:solidFill>
-          <a:schemeClr val="accent1">
-            <a:hueOff val="0"/>
-            <a:satOff val="0"/>
-            <a:lumOff val="0"/>
-            <a:alphaOff val="0"/>
-          </a:schemeClr>
-        </a:solidFill>
-        <a:ln w="25400" cap="flat" cmpd="sng" algn="ctr">
-          <a:solidFill>
-            <a:schemeClr val="accent1">
-              <a:hueOff val="0"/>
-              <a:satOff val="0"/>
-              <a:lumOff val="0"/>
-              <a:alphaOff val="0"/>
-            </a:schemeClr>
-          </a:solidFill>
-          <a:prstDash val="solid"/>
-        </a:ln>
-        <a:effectLst/>
-      </dsp:spPr>
-      <dsp:style>
-        <a:lnRef idx="2">
-          <a:scrgbClr r="0" g="0" b="0"/>
-        </a:lnRef>
-        <a:fillRef idx="1">
-          <a:scrgbClr r="0" g="0" b="0"/>
-        </a:fillRef>
-        <a:effectRef idx="0">
-          <a:scrgbClr r="0" g="0" b="0"/>
-        </a:effectRef>
-        <a:fontRef idx="minor">
-          <a:schemeClr val="lt1"/>
-        </a:fontRef>
-      </dsp:style>
-      <dsp:txBody>
-        <a:bodyPr spcFirstLastPara="0" vert="horz" wrap="square" lIns="213360" tIns="121920" rIns="213360" bIns="121920" numCol="1" spcCol="1270" anchor="ctr" anchorCtr="0">
-          <a:noAutofit/>
-        </a:bodyPr>
-        <a:lstStyle/>
-        <a:p>
-          <a:pPr marL="0" lvl="0" indent="0" algn="ctr" defTabSz="1333500">
-            <a:lnSpc>
-              <a:spcPct val="90000"/>
-            </a:lnSpc>
-            <a:spcBef>
-              <a:spcPct val="0"/>
-            </a:spcBef>
-            <a:spcAft>
-              <a:spcPct val="35000"/>
-            </a:spcAft>
-            <a:buNone/>
-          </a:pPr>
-          <a:r>
-            <a:rPr lang="pt-BR" sz="3000" kern="1200" dirty="0"/>
-            <a:t>Analista Fiscal</a:t>
-          </a:r>
-        </a:p>
-      </dsp:txBody>
-      <dsp:txXfrm>
-        <a:off x="6205649" y="516919"/>
-        <a:ext cx="2720552" cy="1032165"/>
-      </dsp:txXfrm>
-    </dsp:sp>
-    <dsp:sp modelId="{18454111-EC10-440C-A0B9-F673544CAECB}">
-      <dsp:nvSpPr>
-        <dsp:cNvPr id="0" name=""/>
-        <dsp:cNvSpPr/>
-      </dsp:nvSpPr>
-      <dsp:spPr>
-        <a:xfrm>
-          <a:off x="6205649" y="1549084"/>
-          <a:ext cx="2720552" cy="2470500"/>
-        </a:xfrm>
-        <a:prstGeom prst="rect">
-          <a:avLst/>
-        </a:prstGeom>
-        <a:solidFill>
-          <a:schemeClr val="accent1">
-            <a:alpha val="90000"/>
-            <a:tint val="40000"/>
-            <a:hueOff val="0"/>
-            <a:satOff val="0"/>
-            <a:lumOff val="0"/>
-            <a:alphaOff val="0"/>
-          </a:schemeClr>
-        </a:solidFill>
-        <a:ln w="25400" cap="flat" cmpd="sng" algn="ctr">
-          <a:solidFill>
-            <a:schemeClr val="accent1">
-              <a:alpha val="90000"/>
-              <a:tint val="40000"/>
-              <a:hueOff val="0"/>
-              <a:satOff val="0"/>
-              <a:lumOff val="0"/>
-              <a:alphaOff val="0"/>
-            </a:schemeClr>
-          </a:solidFill>
-          <a:prstDash val="solid"/>
-        </a:ln>
-        <a:effectLst/>
-      </dsp:spPr>
-      <dsp:style>
-        <a:lnRef idx="2">
-          <a:scrgbClr r="0" g="0" b="0"/>
-        </a:lnRef>
-        <a:fillRef idx="1">
-          <a:scrgbClr r="0" g="0" b="0"/>
-        </a:fillRef>
-        <a:effectRef idx="0">
-          <a:scrgbClr r="0" g="0" b="0"/>
-        </a:effectRef>
-        <a:fontRef idx="minor"/>
-      </dsp:style>
-      <dsp:txBody>
-        <a:bodyPr spcFirstLastPara="0" vert="horz" wrap="square" lIns="160020" tIns="160020" rIns="213360" bIns="240030" numCol="1" spcCol="1270" anchor="t" anchorCtr="0">
-          <a:noAutofit/>
-        </a:bodyPr>
-        <a:lstStyle/>
-        <a:p>
-          <a:pPr marL="285750" lvl="1" indent="-285750" algn="l" defTabSz="1333500">
-            <a:lnSpc>
-              <a:spcPct val="90000"/>
-            </a:lnSpc>
-            <a:spcBef>
-              <a:spcPct val="0"/>
-            </a:spcBef>
-            <a:spcAft>
-              <a:spcPct val="15000"/>
-            </a:spcAft>
-            <a:buChar char="•"/>
-          </a:pPr>
-          <a:r>
-            <a:rPr lang="pt-BR" sz="3000" kern="1200" dirty="0"/>
-            <a:t>Verificar solicitação</a:t>
-          </a:r>
-        </a:p>
-      </dsp:txBody>
-      <dsp:txXfrm>
-        <a:off x="6205649" y="1549084"/>
-        <a:ext cx="2720552" cy="2470500"/>
-      </dsp:txXfrm>
-    </dsp:sp>
   </dsp:spTree>
 </dsp:drawing>
 </file>
@@ -3114,7 +2293,7 @@
             <a:fld id="{6FD22E44-98EB-41F2-A5A3-DC9366D96C52}" type="datetimeFigureOut">
               <a:rPr lang="pt-BR" smtClean="0"/>
               <a:pPr/>
-              <a:t>25/02/2021</a:t>
+              <a:t>14/04/2021</a:t>
             </a:fld>
             <a:endParaRPr lang="pt-BR"/>
           </a:p>
@@ -3280,7 +2459,7 @@
           <a:p>
             <a:fld id="{515D20E7-273D-4BCD-A33C-33C20D53B536}" type="datetimeFigureOut">
               <a:rPr lang="pt-BR" smtClean="0"/>
-              <a:t>25/02/2021</a:t>
+              <a:t>14/04/2021</a:t>
             </a:fld>
             <a:endParaRPr lang="pt-BR"/>
           </a:p>
@@ -3781,7 +2960,7 @@
           <a:p>
             <a:fld id="{40EF6329-8270-4198-B6A5-1ADCDEE4C2CE}" type="slidenum">
               <a:rPr lang="pt-BR" smtClean="0"/>
-              <a:t>6</a:t>
+              <a:t>8</a:t>
             </a:fld>
             <a:endParaRPr lang="pt-BR"/>
           </a:p>
@@ -5468,7 +4647,7 @@
             <a:fld id="{4E492E1F-AD23-4954-8C0A-1311CECCDDB9}" type="datetimeFigureOut">
               <a:rPr lang="pt-BR" smtClean="0"/>
               <a:pPr/>
-              <a:t>25/02/2021</a:t>
+              <a:t>14/04/2021</a:t>
             </a:fld>
             <a:endParaRPr lang="pt-BR"/>
           </a:p>
@@ -6117,7 +5296,7 @@
           <p:nvPr>
             <p:extLst>
               <p:ext uri="{D42A27DB-BD31-4B8C-83A1-F6EECF244321}">
-                <p14:modId xmlns:p14="http://schemas.microsoft.com/office/powerpoint/2010/main" val="167672080"/>
+                <p14:modId xmlns:p14="http://schemas.microsoft.com/office/powerpoint/2010/main" val="783459601"/>
               </p:ext>
             </p:extLst>
           </p:nvPr>
@@ -6132,6 +5311,460 @@
           </a:graphicData>
         </a:graphic>
       </p:graphicFrame>
+      <p:sp>
+        <p:nvSpPr>
+          <p:cNvPr id="3" name="Fluxograma: Processo 2">
+            <a:extLst>
+              <a:ext uri="{FF2B5EF4-FFF2-40B4-BE49-F238E27FC236}">
+                <a16:creationId xmlns:a16="http://schemas.microsoft.com/office/drawing/2014/main" id="{384311D9-F492-4F80-AC6C-86F9B045D61A}"/>
+              </a:ext>
+            </a:extLst>
+          </p:cNvPr>
+          <p:cNvSpPr/>
+          <p:nvPr/>
+        </p:nvSpPr>
+        <p:spPr>
+          <a:xfrm>
+            <a:off x="395536" y="1772816"/>
+            <a:ext cx="2880320" cy="1368152"/>
+          </a:xfrm>
+          <a:prstGeom prst="flowChartProcess">
+            <a:avLst/>
+          </a:prstGeom>
+        </p:spPr>
+        <p:style>
+          <a:lnRef idx="2">
+            <a:schemeClr val="accent1">
+              <a:shade val="50000"/>
+            </a:schemeClr>
+          </a:lnRef>
+          <a:fillRef idx="1">
+            <a:schemeClr val="accent1"/>
+          </a:fillRef>
+          <a:effectRef idx="0">
+            <a:schemeClr val="accent1"/>
+          </a:effectRef>
+          <a:fontRef idx="minor">
+            <a:schemeClr val="lt1"/>
+          </a:fontRef>
+        </p:style>
+        <p:txBody>
+          <a:bodyPr rtlCol="0" anchor="ctr"/>
+          <a:lstStyle/>
+          <a:p>
+            <a:pPr algn="ctr"/>
+            <a:r>
+              <a:rPr lang="pt-BR" b="1" u="sng" dirty="0"/>
+              <a:t>Operador GEF</a:t>
+            </a:r>
+          </a:p>
+          <a:p>
+            <a:pPr algn="ctr"/>
+            <a:r>
+              <a:rPr lang="pt-BR" dirty="0"/>
+              <a:t>Gerar parcela de contrato</a:t>
+            </a:r>
+          </a:p>
+          <a:p>
+            <a:pPr algn="ctr"/>
+            <a:r>
+              <a:rPr lang="pt-BR" dirty="0"/>
+              <a:t>Anexar documentação</a:t>
+            </a:r>
+          </a:p>
+        </p:txBody>
+      </p:sp>
+      <p:sp>
+        <p:nvSpPr>
+          <p:cNvPr id="4" name="Fluxograma: Processo 3">
+            <a:extLst>
+              <a:ext uri="{FF2B5EF4-FFF2-40B4-BE49-F238E27FC236}">
+                <a16:creationId xmlns:a16="http://schemas.microsoft.com/office/drawing/2014/main" id="{E9D542AB-45C6-4A61-9697-AFD755A232B5}"/>
+              </a:ext>
+            </a:extLst>
+          </p:cNvPr>
+          <p:cNvSpPr/>
+          <p:nvPr/>
+        </p:nvSpPr>
+        <p:spPr>
+          <a:xfrm>
+            <a:off x="4788024" y="1808820"/>
+            <a:ext cx="2880320" cy="1296144"/>
+          </a:xfrm>
+          <a:prstGeom prst="flowChartProcess">
+            <a:avLst/>
+          </a:prstGeom>
+        </p:spPr>
+        <p:style>
+          <a:lnRef idx="2">
+            <a:schemeClr val="accent1">
+              <a:shade val="50000"/>
+            </a:schemeClr>
+          </a:lnRef>
+          <a:fillRef idx="1">
+            <a:schemeClr val="accent1"/>
+          </a:fillRef>
+          <a:effectRef idx="0">
+            <a:schemeClr val="accent1"/>
+          </a:effectRef>
+          <a:fontRef idx="minor">
+            <a:schemeClr val="lt1"/>
+          </a:fontRef>
+        </p:style>
+        <p:txBody>
+          <a:bodyPr rtlCol="0" anchor="ctr"/>
+          <a:lstStyle/>
+          <a:p>
+            <a:pPr algn="ctr"/>
+            <a:r>
+              <a:rPr lang="pt-BR" b="1" u="sng" dirty="0"/>
+              <a:t>Gestor de Centro de custo</a:t>
+            </a:r>
+          </a:p>
+          <a:p>
+            <a:pPr algn="ctr"/>
+            <a:r>
+              <a:rPr lang="pt-BR" dirty="0"/>
+              <a:t>Atribuir ponto focal</a:t>
+            </a:r>
+          </a:p>
+        </p:txBody>
+      </p:sp>
+      <p:sp>
+        <p:nvSpPr>
+          <p:cNvPr id="6" name="Fluxograma: Processo 5">
+            <a:extLst>
+              <a:ext uri="{FF2B5EF4-FFF2-40B4-BE49-F238E27FC236}">
+                <a16:creationId xmlns:a16="http://schemas.microsoft.com/office/drawing/2014/main" id="{FEBF02E4-6F5E-4E4E-9CC3-84BB42C4E45E}"/>
+              </a:ext>
+            </a:extLst>
+          </p:cNvPr>
+          <p:cNvSpPr/>
+          <p:nvPr/>
+        </p:nvSpPr>
+        <p:spPr>
+          <a:xfrm>
+            <a:off x="6012160" y="3609020"/>
+            <a:ext cx="2880320" cy="1296144"/>
+          </a:xfrm>
+          <a:prstGeom prst="flowChartProcess">
+            <a:avLst/>
+          </a:prstGeom>
+        </p:spPr>
+        <p:style>
+          <a:lnRef idx="2">
+            <a:schemeClr val="accent1">
+              <a:shade val="50000"/>
+            </a:schemeClr>
+          </a:lnRef>
+          <a:fillRef idx="1">
+            <a:schemeClr val="accent1"/>
+          </a:fillRef>
+          <a:effectRef idx="0">
+            <a:schemeClr val="accent1"/>
+          </a:effectRef>
+          <a:fontRef idx="minor">
+            <a:schemeClr val="lt1"/>
+          </a:fontRef>
+        </p:style>
+        <p:txBody>
+          <a:bodyPr rtlCol="0" anchor="ctr"/>
+          <a:lstStyle/>
+          <a:p>
+            <a:pPr algn="ctr"/>
+            <a:r>
+              <a:rPr lang="pt-BR" b="1" u="sng" dirty="0"/>
+              <a:t>Ponto focal</a:t>
+            </a:r>
+          </a:p>
+          <a:p>
+            <a:pPr algn="ctr"/>
+            <a:r>
+              <a:rPr lang="pt-BR" dirty="0"/>
+              <a:t>Anexar documentos e rateio</a:t>
+            </a:r>
+          </a:p>
+        </p:txBody>
+      </p:sp>
+      <p:sp>
+        <p:nvSpPr>
+          <p:cNvPr id="7" name="Fluxograma: Processo 6">
+            <a:extLst>
+              <a:ext uri="{FF2B5EF4-FFF2-40B4-BE49-F238E27FC236}">
+                <a16:creationId xmlns:a16="http://schemas.microsoft.com/office/drawing/2014/main" id="{75EF368D-DABE-4F47-904F-17B66CB7661C}"/>
+              </a:ext>
+            </a:extLst>
+          </p:cNvPr>
+          <p:cNvSpPr/>
+          <p:nvPr/>
+        </p:nvSpPr>
+        <p:spPr>
+          <a:xfrm>
+            <a:off x="528239" y="3591018"/>
+            <a:ext cx="2880320" cy="1296144"/>
+          </a:xfrm>
+          <a:prstGeom prst="flowChartProcess">
+            <a:avLst/>
+          </a:prstGeom>
+        </p:spPr>
+        <p:style>
+          <a:lnRef idx="2">
+            <a:schemeClr val="accent1">
+              <a:shade val="50000"/>
+            </a:schemeClr>
+          </a:lnRef>
+          <a:fillRef idx="1">
+            <a:schemeClr val="accent1"/>
+          </a:fillRef>
+          <a:effectRef idx="0">
+            <a:schemeClr val="accent1"/>
+          </a:effectRef>
+          <a:fontRef idx="minor">
+            <a:schemeClr val="lt1"/>
+          </a:fontRef>
+        </p:style>
+        <p:txBody>
+          <a:bodyPr rtlCol="0" anchor="ctr"/>
+          <a:lstStyle/>
+          <a:p>
+            <a:pPr algn="ctr"/>
+            <a:r>
+              <a:rPr lang="pt-BR" b="1" u="sng" dirty="0"/>
+              <a:t>Gestor de Centro de custo</a:t>
+            </a:r>
+          </a:p>
+          <a:p>
+            <a:pPr algn="ctr"/>
+            <a:r>
+              <a:rPr lang="pt-BR" dirty="0"/>
+              <a:t>Validar solicitação</a:t>
+            </a:r>
+          </a:p>
+        </p:txBody>
+      </p:sp>
+      <p:cxnSp>
+        <p:nvCxnSpPr>
+          <p:cNvPr id="9" name="Conector de Seta Reta 8">
+            <a:extLst>
+              <a:ext uri="{FF2B5EF4-FFF2-40B4-BE49-F238E27FC236}">
+                <a16:creationId xmlns:a16="http://schemas.microsoft.com/office/drawing/2014/main" id="{37A2A75C-6DD4-4452-8F3A-EC521F524E23}"/>
+              </a:ext>
+            </a:extLst>
+          </p:cNvPr>
+          <p:cNvCxnSpPr>
+            <a:cxnSpLocks/>
+            <a:stCxn id="3" idx="3"/>
+            <a:endCxn id="4" idx="1"/>
+          </p:cNvCxnSpPr>
+          <p:nvPr/>
+        </p:nvCxnSpPr>
+        <p:spPr>
+          <a:xfrm>
+            <a:off x="3275856" y="2456892"/>
+            <a:ext cx="1512168" cy="0"/>
+          </a:xfrm>
+          <a:prstGeom prst="straightConnector1">
+            <a:avLst/>
+          </a:prstGeom>
+          <a:ln>
+            <a:tailEnd type="triangle"/>
+          </a:ln>
+        </p:spPr>
+        <p:style>
+          <a:lnRef idx="1">
+            <a:schemeClr val="accent1"/>
+          </a:lnRef>
+          <a:fillRef idx="0">
+            <a:schemeClr val="accent1"/>
+          </a:fillRef>
+          <a:effectRef idx="0">
+            <a:schemeClr val="accent1"/>
+          </a:effectRef>
+          <a:fontRef idx="minor">
+            <a:schemeClr val="tx1"/>
+          </a:fontRef>
+        </p:style>
+      </p:cxnSp>
+      <p:cxnSp>
+        <p:nvCxnSpPr>
+          <p:cNvPr id="13" name="Conector de Seta Reta 12">
+            <a:extLst>
+              <a:ext uri="{FF2B5EF4-FFF2-40B4-BE49-F238E27FC236}">
+                <a16:creationId xmlns:a16="http://schemas.microsoft.com/office/drawing/2014/main" id="{ADC8F3A2-5F5D-4375-86CB-7F22CDB30B5E}"/>
+              </a:ext>
+            </a:extLst>
+          </p:cNvPr>
+          <p:cNvCxnSpPr>
+            <a:cxnSpLocks/>
+          </p:cNvCxnSpPr>
+          <p:nvPr/>
+        </p:nvCxnSpPr>
+        <p:spPr>
+          <a:xfrm>
+            <a:off x="6444208" y="3104964"/>
+            <a:ext cx="1073344" cy="612068"/>
+          </a:xfrm>
+          <a:prstGeom prst="straightConnector1">
+            <a:avLst/>
+          </a:prstGeom>
+          <a:ln>
+            <a:tailEnd type="triangle"/>
+          </a:ln>
+        </p:spPr>
+        <p:style>
+          <a:lnRef idx="1">
+            <a:schemeClr val="accent1"/>
+          </a:lnRef>
+          <a:fillRef idx="0">
+            <a:schemeClr val="accent1"/>
+          </a:fillRef>
+          <a:effectRef idx="0">
+            <a:schemeClr val="accent1"/>
+          </a:effectRef>
+          <a:fontRef idx="minor">
+            <a:schemeClr val="tx1"/>
+          </a:fontRef>
+        </p:style>
+      </p:cxnSp>
+      <p:cxnSp>
+        <p:nvCxnSpPr>
+          <p:cNvPr id="20" name="Conector de Seta Reta 19">
+            <a:extLst>
+              <a:ext uri="{FF2B5EF4-FFF2-40B4-BE49-F238E27FC236}">
+                <a16:creationId xmlns:a16="http://schemas.microsoft.com/office/drawing/2014/main" id="{EB599186-3E8B-4F6E-BFB8-034D36E841FF}"/>
+              </a:ext>
+            </a:extLst>
+          </p:cNvPr>
+          <p:cNvCxnSpPr>
+            <a:stCxn id="6" idx="1"/>
+            <a:endCxn id="7" idx="3"/>
+          </p:cNvCxnSpPr>
+          <p:nvPr/>
+        </p:nvCxnSpPr>
+        <p:spPr>
+          <a:xfrm flipH="1" flipV="1">
+            <a:off x="3408559" y="4239090"/>
+            <a:ext cx="2603601" cy="18002"/>
+          </a:xfrm>
+          <a:prstGeom prst="straightConnector1">
+            <a:avLst/>
+          </a:prstGeom>
+          <a:ln>
+            <a:tailEnd type="triangle"/>
+          </a:ln>
+        </p:spPr>
+        <p:style>
+          <a:lnRef idx="1">
+            <a:schemeClr val="accent1"/>
+          </a:lnRef>
+          <a:fillRef idx="0">
+            <a:schemeClr val="accent1"/>
+          </a:fillRef>
+          <a:effectRef idx="0">
+            <a:schemeClr val="accent1"/>
+          </a:effectRef>
+          <a:fontRef idx="minor">
+            <a:schemeClr val="tx1"/>
+          </a:fontRef>
+        </p:style>
+      </p:cxnSp>
+      <p:sp>
+        <p:nvSpPr>
+          <p:cNvPr id="23" name="Fluxograma: Processo 22">
+            <a:extLst>
+              <a:ext uri="{FF2B5EF4-FFF2-40B4-BE49-F238E27FC236}">
+                <a16:creationId xmlns:a16="http://schemas.microsoft.com/office/drawing/2014/main" id="{F750F9FB-8868-4F25-A20C-985F33BC580A}"/>
+              </a:ext>
+            </a:extLst>
+          </p:cNvPr>
+          <p:cNvSpPr/>
+          <p:nvPr/>
+        </p:nvSpPr>
+        <p:spPr>
+          <a:xfrm>
+            <a:off x="3131840" y="5101596"/>
+            <a:ext cx="2880320" cy="1296144"/>
+          </a:xfrm>
+          <a:prstGeom prst="flowChartProcess">
+            <a:avLst/>
+          </a:prstGeom>
+        </p:spPr>
+        <p:style>
+          <a:lnRef idx="2">
+            <a:schemeClr val="accent1">
+              <a:shade val="50000"/>
+            </a:schemeClr>
+          </a:lnRef>
+          <a:fillRef idx="1">
+            <a:schemeClr val="accent1"/>
+          </a:fillRef>
+          <a:effectRef idx="0">
+            <a:schemeClr val="accent1"/>
+          </a:effectRef>
+          <a:fontRef idx="minor">
+            <a:schemeClr val="lt1"/>
+          </a:fontRef>
+        </p:style>
+        <p:txBody>
+          <a:bodyPr rtlCol="0" anchor="ctr"/>
+          <a:lstStyle/>
+          <a:p>
+            <a:pPr algn="ctr"/>
+            <a:r>
+              <a:rPr lang="pt-BR" b="1" u="sng" dirty="0"/>
+              <a:t>Area fiscal</a:t>
+            </a:r>
+          </a:p>
+          <a:p>
+            <a:pPr algn="ctr"/>
+            <a:r>
+              <a:rPr lang="pt-BR" dirty="0"/>
+              <a:t>Conferir tributação</a:t>
+            </a:r>
+          </a:p>
+        </p:txBody>
+      </p:sp>
+      <p:cxnSp>
+        <p:nvCxnSpPr>
+          <p:cNvPr id="25" name="Conector de Seta Reta 24">
+            <a:extLst>
+              <a:ext uri="{FF2B5EF4-FFF2-40B4-BE49-F238E27FC236}">
+                <a16:creationId xmlns:a16="http://schemas.microsoft.com/office/drawing/2014/main" id="{E108E4BA-3831-4C4F-AA44-483B684AF955}"/>
+              </a:ext>
+            </a:extLst>
+          </p:cNvPr>
+          <p:cNvCxnSpPr>
+            <a:cxnSpLocks/>
+          </p:cNvCxnSpPr>
+          <p:nvPr/>
+        </p:nvCxnSpPr>
+        <p:spPr>
+          <a:xfrm>
+            <a:off x="1547664" y="4905164"/>
+            <a:ext cx="1584176" cy="844504"/>
+          </a:xfrm>
+          <a:prstGeom prst="straightConnector1">
+            <a:avLst/>
+          </a:prstGeom>
+          <a:ln>
+            <a:tailEnd type="triangle"/>
+          </a:ln>
+        </p:spPr>
+        <p:style>
+          <a:lnRef idx="1">
+            <a:schemeClr val="accent1"/>
+          </a:lnRef>
+          <a:fillRef idx="0">
+            <a:schemeClr val="accent1"/>
+          </a:fillRef>
+          <a:effectRef idx="0">
+            <a:schemeClr val="accent1"/>
+          </a:effectRef>
+          <a:fontRef idx="minor">
+            <a:schemeClr val="tx1"/>
+          </a:fontRef>
+        </p:style>
+      </p:cxnSp>
     </p:spTree>
     <p:extLst>
       <p:ext uri="{BB962C8B-B14F-4D97-AF65-F5344CB8AC3E}">
@@ -6291,7 +5924,107 @@
                 </a:solidFill>
                 <a:latin typeface="Helvetica" pitchFamily="34" charset="0"/>
               </a:rPr>
-              <a:t>Gestor CC – Validar solicitação</a:t>
+              <a:t>Gestor CC – Atribuir ponto focal</a:t>
+            </a:r>
+          </a:p>
+        </p:txBody>
+      </p:sp>
+      <p:sp>
+        <p:nvSpPr>
+          <p:cNvPr id="8" name="CaixaDeTexto 7">
+            <a:extLst>
+              <a:ext uri="{FF2B5EF4-FFF2-40B4-BE49-F238E27FC236}">
+                <a16:creationId xmlns:a16="http://schemas.microsoft.com/office/drawing/2014/main" id="{A79A63A3-83FA-4480-A402-41C034034924}"/>
+              </a:ext>
+            </a:extLst>
+          </p:cNvPr>
+          <p:cNvSpPr txBox="1"/>
+          <p:nvPr/>
+        </p:nvSpPr>
+        <p:spPr>
+          <a:xfrm>
+            <a:off x="683568" y="1700808"/>
+            <a:ext cx="7848872" cy="3785652"/>
+          </a:xfrm>
+          <a:prstGeom prst="rect">
+            <a:avLst/>
+          </a:prstGeom>
+          <a:noFill/>
+        </p:spPr>
+        <p:txBody>
+          <a:bodyPr wrap="square" rtlCol="0">
+            <a:spAutoFit/>
+          </a:bodyPr>
+          <a:lstStyle/>
+          <a:p>
+            <a:pPr algn="just"/>
+            <a:r>
+              <a:rPr lang="pt-BR" sz="3000" dirty="0"/>
+              <a:t>	Nesta etapa o Gestor do centro de custo irá selecionar um colaborador como ponto focal para complementar as informações do processo. A lista de colaboradores para ponto focal, será apresentada conforme o chefe do centro de custo associado na folha de pagamento, se este chefe for chefe em outros centros de custos, os colaboradores destes outros centros de custo também serão apresentados na lista.</a:t>
+            </a:r>
+          </a:p>
+        </p:txBody>
+      </p:sp>
+    </p:spTree>
+    <p:extLst>
+      <p:ext uri="{BB962C8B-B14F-4D97-AF65-F5344CB8AC3E}">
+        <p14:creationId xmlns:p14="http://schemas.microsoft.com/office/powerpoint/2010/main" val="1307553179"/>
+      </p:ext>
+    </p:extLst>
+  </p:cSld>
+  <p:clrMapOvr>
+    <a:masterClrMapping/>
+  </p:clrMapOvr>
+</p:sld>
+</file>
+
+<file path=ppt/slides/slide6.xml><?xml version="1.0" encoding="utf-8"?>
+<p:sld xmlns:a="http://schemas.openxmlformats.org/drawingml/2006/main" xmlns:r="http://schemas.openxmlformats.org/officeDocument/2006/relationships" xmlns:p="http://schemas.openxmlformats.org/presentationml/2006/main">
+  <p:cSld>
+    <p:spTree>
+      <p:nvGrpSpPr>
+        <p:cNvPr id="1" name=""/>
+        <p:cNvGrpSpPr/>
+        <p:nvPr/>
+      </p:nvGrpSpPr>
+      <p:grpSpPr>
+        <a:xfrm>
+          <a:off x="0" y="0"/>
+          <a:ext cx="0" cy="0"/>
+          <a:chOff x="0" y="0"/>
+          <a:chExt cx="0" cy="0"/>
+        </a:xfrm>
+      </p:grpSpPr>
+      <p:sp>
+        <p:nvSpPr>
+          <p:cNvPr id="2" name="Título 1"/>
+          <p:cNvSpPr>
+            <a:spLocks noGrp="1"/>
+          </p:cNvSpPr>
+          <p:nvPr>
+            <p:ph type="title"/>
+          </p:nvPr>
+        </p:nvSpPr>
+        <p:spPr>
+          <a:xfrm>
+            <a:off x="539552" y="620688"/>
+            <a:ext cx="7056784" cy="576064"/>
+          </a:xfrm>
+        </p:spPr>
+        <p:txBody>
+          <a:bodyPr>
+            <a:normAutofit/>
+          </a:bodyPr>
+          <a:lstStyle/>
+          <a:p>
+            <a:r>
+              <a:rPr lang="pt-BR" sz="2600" dirty="0">
+                <a:solidFill>
+                  <a:srgbClr val="A48326"/>
+                </a:solidFill>
+                <a:latin typeface="Helvetica" pitchFamily="34" charset="0"/>
+              </a:rPr>
+              <a:t>Ponto focal – Analisar documento</a:t>
             </a:r>
           </a:p>
         </p:txBody>
@@ -6327,20 +6060,15 @@
             <a:pPr algn="just"/>
             <a:r>
               <a:rPr lang="pt-BR" sz="3000" dirty="0"/>
-              <a:t>	Nesta etapa o Gestor do centro de custo relacionado irá verificar a solicitação e poderá aprovar, avançando a solicitação para Análise Fiscal ou devolver para GEF rejeitando a </a:t>
+              <a:t>	Nesta etapa o colaborador selecionado como ponto focal irá analisar o processo, tendo a possibilidade de anexar documentos e complementar informações. </a:t>
             </a:r>
-            <a:r>
-              <a:rPr lang="pt-BR" sz="3000"/>
-              <a:t>cobrança relacionada. </a:t>
-            </a:r>
-            <a:endParaRPr lang="pt-BR" sz="3000" dirty="0"/>
           </a:p>
         </p:txBody>
       </p:sp>
     </p:spTree>
     <p:extLst>
       <p:ext uri="{BB962C8B-B14F-4D97-AF65-F5344CB8AC3E}">
-        <p14:creationId xmlns:p14="http://schemas.microsoft.com/office/powerpoint/2010/main" val="1307553179"/>
+        <p14:creationId xmlns:p14="http://schemas.microsoft.com/office/powerpoint/2010/main" val="2373947534"/>
       </p:ext>
     </p:extLst>
   </p:cSld>
@@ -6350,7 +6078,107 @@
 </p:sld>
 </file>
 
-<file path=ppt/slides/slide6.xml><?xml version="1.0" encoding="utf-8"?>
+<file path=ppt/slides/slide7.xml><?xml version="1.0" encoding="utf-8"?>
+<p:sld xmlns:a="http://schemas.openxmlformats.org/drawingml/2006/main" xmlns:r="http://schemas.openxmlformats.org/officeDocument/2006/relationships" xmlns:p="http://schemas.openxmlformats.org/presentationml/2006/main">
+  <p:cSld>
+    <p:spTree>
+      <p:nvGrpSpPr>
+        <p:cNvPr id="1" name=""/>
+        <p:cNvGrpSpPr/>
+        <p:nvPr/>
+      </p:nvGrpSpPr>
+      <p:grpSpPr>
+        <a:xfrm>
+          <a:off x="0" y="0"/>
+          <a:ext cx="0" cy="0"/>
+          <a:chOff x="0" y="0"/>
+          <a:chExt cx="0" cy="0"/>
+        </a:xfrm>
+      </p:grpSpPr>
+      <p:sp>
+        <p:nvSpPr>
+          <p:cNvPr id="2" name="Título 1"/>
+          <p:cNvSpPr>
+            <a:spLocks noGrp="1"/>
+          </p:cNvSpPr>
+          <p:nvPr>
+            <p:ph type="title"/>
+          </p:nvPr>
+        </p:nvSpPr>
+        <p:spPr>
+          <a:xfrm>
+            <a:off x="539552" y="620688"/>
+            <a:ext cx="7056784" cy="576064"/>
+          </a:xfrm>
+        </p:spPr>
+        <p:txBody>
+          <a:bodyPr>
+            <a:normAutofit/>
+          </a:bodyPr>
+          <a:lstStyle/>
+          <a:p>
+            <a:r>
+              <a:rPr lang="pt-BR" sz="2600" dirty="0">
+                <a:solidFill>
+                  <a:srgbClr val="A48326"/>
+                </a:solidFill>
+                <a:latin typeface="Helvetica" pitchFamily="34" charset="0"/>
+              </a:rPr>
+              <a:t>Gestor CC – Validar solicitação</a:t>
+            </a:r>
+          </a:p>
+        </p:txBody>
+      </p:sp>
+      <p:sp>
+        <p:nvSpPr>
+          <p:cNvPr id="8" name="CaixaDeTexto 7">
+            <a:extLst>
+              <a:ext uri="{FF2B5EF4-FFF2-40B4-BE49-F238E27FC236}">
+                <a16:creationId xmlns:a16="http://schemas.microsoft.com/office/drawing/2014/main" id="{A79A63A3-83FA-4480-A402-41C034034924}"/>
+              </a:ext>
+            </a:extLst>
+          </p:cNvPr>
+          <p:cNvSpPr txBox="1"/>
+          <p:nvPr/>
+        </p:nvSpPr>
+        <p:spPr>
+          <a:xfrm>
+            <a:off x="683568" y="1700808"/>
+            <a:ext cx="7848872" cy="1938992"/>
+          </a:xfrm>
+          <a:prstGeom prst="rect">
+            <a:avLst/>
+          </a:prstGeom>
+          <a:noFill/>
+        </p:spPr>
+        <p:txBody>
+          <a:bodyPr wrap="square" rtlCol="0">
+            <a:spAutoFit/>
+          </a:bodyPr>
+          <a:lstStyle/>
+          <a:p>
+            <a:pPr algn="just"/>
+            <a:r>
+              <a:rPr lang="pt-BR" sz="3000" dirty="0"/>
+              <a:t>	Nesta etapa o Gestor do centro de custo relacionado irá verificar o processo e poderá aprovar, avançando a solicitação para Análise Fiscal ou devolver para GEF rejeitando a cobrança relacionada. </a:t>
+            </a:r>
+          </a:p>
+        </p:txBody>
+      </p:sp>
+    </p:spTree>
+    <p:extLst>
+      <p:ext uri="{BB962C8B-B14F-4D97-AF65-F5344CB8AC3E}">
+        <p14:creationId xmlns:p14="http://schemas.microsoft.com/office/powerpoint/2010/main" val="2774713145"/>
+      </p:ext>
+    </p:extLst>
+  </p:cSld>
+  <p:clrMapOvr>
+    <a:masterClrMapping/>
+  </p:clrMapOvr>
+</p:sld>
+</file>
+
+<file path=ppt/slides/slide8.xml><?xml version="1.0" encoding="utf-8"?>
 <p:sld xmlns:a="http://schemas.openxmlformats.org/drawingml/2006/main" xmlns:r="http://schemas.openxmlformats.org/officeDocument/2006/relationships" xmlns:p="http://schemas.openxmlformats.org/presentationml/2006/main">
   <p:cSld>
     <p:spTree>
@@ -7220,12 +7048,13 @@
 </file>
 
 <file path=customXml/item1.xml><?xml version="1.0" encoding="utf-8"?>
-<?mso-contentType ?>
-<FormTemplates xmlns="http://schemas.microsoft.com/sharepoint/v3/contenttype/forms">
-  <Display>DocumentLibraryForm</Display>
-  <Edit>DocumentLibraryForm</Edit>
-  <New>DocumentLibraryForm</New>
-</FormTemplates>
+<p:properties xmlns:p="http://schemas.microsoft.com/office/2006/metadata/properties" xmlns:xsi="http://www.w3.org/2001/XMLSchema-instance" xmlns:pc="http://schemas.microsoft.com/office/infopath/2007/PartnerControls">
+  <documentManagement>
+    <Objetivo xmlns="d885478b-f22d-4d19-a775-a8723dc1337f">Apresentação de Power Point com slides personalizados CNC na cor branca.</Objetivo>
+    <Assunto xmlns="45f96d23-d40b-4212-8da3-c017d2a6f7c3">Modelos de documentos - Padrões gráficos</Assunto>
+    <Procedimento xmlns="45f96d23-d40b-4212-8da3-c017d2a6f7c3" xsi:nil="true"/>
+  </documentManagement>
+</p:properties>
 </file>
 
 <file path=customXml/item2.xml><?xml version="1.0" encoding="utf-8"?>
@@ -7386,19 +7215,27 @@
 </file>
 
 <file path=customXml/item3.xml><?xml version="1.0" encoding="utf-8"?>
-<p:properties xmlns:p="http://schemas.microsoft.com/office/2006/metadata/properties" xmlns:xsi="http://www.w3.org/2001/XMLSchema-instance" xmlns:pc="http://schemas.microsoft.com/office/infopath/2007/PartnerControls">
-  <documentManagement>
-    <Objetivo xmlns="d885478b-f22d-4d19-a775-a8723dc1337f">Apresentação de Power Point com slides personalizados CNC na cor branca.</Objetivo>
-    <Assunto xmlns="45f96d23-d40b-4212-8da3-c017d2a6f7c3">Modelos de documentos - Padrões gráficos</Assunto>
-    <Procedimento xmlns="45f96d23-d40b-4212-8da3-c017d2a6f7c3" xsi:nil="true"/>
-  </documentManagement>
-</p:properties>
+<?mso-contentType ?>
+<FormTemplates xmlns="http://schemas.microsoft.com/sharepoint/v3/contenttype/forms">
+  <Display>DocumentLibraryForm</Display>
+  <Edit>DocumentLibraryForm</Edit>
+  <New>DocumentLibraryForm</New>
+</FormTemplates>
 </file>
 
 <file path=customXml/itemProps1.xml><?xml version="1.0" encoding="utf-8"?>
-<ds:datastoreItem xmlns:ds="http://schemas.openxmlformats.org/officeDocument/2006/customXml" ds:itemID="{FBD8799C-CBA0-43B6-B31C-584BCF8821B4}">
+<ds:datastoreItem xmlns:ds="http://schemas.openxmlformats.org/officeDocument/2006/customXml" ds:itemID="{ED2DF0E0-0EA2-48B5-9DA2-3321820A21F2}">
   <ds:schemaRefs>
-    <ds:schemaRef ds:uri="http://schemas.microsoft.com/sharepoint/v3/contenttype/forms"/>
+    <ds:schemaRef ds:uri="http://purl.org/dc/dcmitype/"/>
+    <ds:schemaRef ds:uri="http://purl.org/dc/elements/1.1/"/>
+    <ds:schemaRef ds:uri="http://schemas.microsoft.com/office/2006/metadata/properties"/>
+    <ds:schemaRef ds:uri="d885478b-f22d-4d19-a775-a8723dc1337f"/>
+    <ds:schemaRef ds:uri="http://schemas.microsoft.com/office/infopath/2007/PartnerControls"/>
+    <ds:schemaRef ds:uri="http://schemas.microsoft.com/office/2006/documentManagement/types"/>
+    <ds:schemaRef ds:uri="http://purl.org/dc/terms/"/>
+    <ds:schemaRef ds:uri="http://schemas.openxmlformats.org/package/2006/metadata/core-properties"/>
+    <ds:schemaRef ds:uri="45f96d23-d40b-4212-8da3-c017d2a6f7c3"/>
+    <ds:schemaRef ds:uri="http://www.w3.org/XML/1998/namespace"/>
   </ds:schemaRefs>
 </ds:datastoreItem>
 </file>
@@ -7423,18 +7260,9 @@
 </file>
 
 <file path=customXml/itemProps3.xml><?xml version="1.0" encoding="utf-8"?>
-<ds:datastoreItem xmlns:ds="http://schemas.openxmlformats.org/officeDocument/2006/customXml" ds:itemID="{ED2DF0E0-0EA2-48B5-9DA2-3321820A21F2}">
+<ds:datastoreItem xmlns:ds="http://schemas.openxmlformats.org/officeDocument/2006/customXml" ds:itemID="{FBD8799C-CBA0-43B6-B31C-584BCF8821B4}">
   <ds:schemaRefs>
-    <ds:schemaRef ds:uri="http://purl.org/dc/dcmitype/"/>
-    <ds:schemaRef ds:uri="http://purl.org/dc/elements/1.1/"/>
-    <ds:schemaRef ds:uri="http://schemas.microsoft.com/office/2006/metadata/properties"/>
-    <ds:schemaRef ds:uri="d885478b-f22d-4d19-a775-a8723dc1337f"/>
-    <ds:schemaRef ds:uri="http://schemas.microsoft.com/office/infopath/2007/PartnerControls"/>
-    <ds:schemaRef ds:uri="http://schemas.microsoft.com/office/2006/documentManagement/types"/>
-    <ds:schemaRef ds:uri="http://purl.org/dc/terms/"/>
-    <ds:schemaRef ds:uri="http://schemas.openxmlformats.org/package/2006/metadata/core-properties"/>
-    <ds:schemaRef ds:uri="45f96d23-d40b-4212-8da3-c017d2a6f7c3"/>
-    <ds:schemaRef ds:uri="http://www.w3.org/XML/1998/namespace"/>
+    <ds:schemaRef ds:uri="http://schemas.microsoft.com/sharepoint/v3/contenttype/forms"/>
   </ds:schemaRefs>
 </ds:datastoreItem>
 </file>